--- a/Short Talks/Data Warehouse/DataWarehouse.pptx
+++ b/Short Talks/Data Warehouse/DataWarehouse.pptx
@@ -25,7 +25,18 @@
     <p:sldId id="295" r:id="rId19"/>
     <p:sldId id="279" r:id="rId20"/>
     <p:sldId id="281" r:id="rId21"/>
-    <p:sldId id="264" r:id="rId22"/>
+    <p:sldId id="296" r:id="rId22"/>
+    <p:sldId id="297" r:id="rId23"/>
+    <p:sldId id="298" r:id="rId24"/>
+    <p:sldId id="299" r:id="rId25"/>
+    <p:sldId id="300" r:id="rId26"/>
+    <p:sldId id="301" r:id="rId27"/>
+    <p:sldId id="302" r:id="rId28"/>
+    <p:sldId id="303" r:id="rId29"/>
+    <p:sldId id="305" r:id="rId30"/>
+    <p:sldId id="306" r:id="rId31"/>
+    <p:sldId id="307" r:id="rId32"/>
+    <p:sldId id="264" r:id="rId33"/>
   </p:sldIdLst>
   <p:sldSz cx="12192000" cy="6858000"/>
   <p:notesSz cx="6858000" cy="9144000"/>
@@ -281,7 +292,7 @@
           <a:p>
             <a:fld id="{9AB483C7-B377-43D9-9F1F-1C9EB4F941CC}" type="datetimeFigureOut">
               <a:rPr lang="en-US" smtClean="0"/>
-              <a:t>4/26/2019</a:t>
+              <a:t>5/9/2019</a:t>
             </a:fld>
             <a:endParaRPr lang="en-US"/>
           </a:p>
@@ -481,7 +492,7 @@
           <a:p>
             <a:fld id="{9AB483C7-B377-43D9-9F1F-1C9EB4F941CC}" type="datetimeFigureOut">
               <a:rPr lang="en-US" smtClean="0"/>
-              <a:t>4/26/2019</a:t>
+              <a:t>5/9/2019</a:t>
             </a:fld>
             <a:endParaRPr lang="en-US"/>
           </a:p>
@@ -691,7 +702,7 @@
           <a:p>
             <a:fld id="{9AB483C7-B377-43D9-9F1F-1C9EB4F941CC}" type="datetimeFigureOut">
               <a:rPr lang="en-US" smtClean="0"/>
-              <a:t>4/26/2019</a:t>
+              <a:t>5/9/2019</a:t>
             </a:fld>
             <a:endParaRPr lang="en-US"/>
           </a:p>
@@ -891,7 +902,7 @@
           <a:p>
             <a:fld id="{9AB483C7-B377-43D9-9F1F-1C9EB4F941CC}" type="datetimeFigureOut">
               <a:rPr lang="en-US" smtClean="0"/>
-              <a:t>4/26/2019</a:t>
+              <a:t>5/9/2019</a:t>
             </a:fld>
             <a:endParaRPr lang="en-US"/>
           </a:p>
@@ -1167,7 +1178,7 @@
           <a:p>
             <a:fld id="{9AB483C7-B377-43D9-9F1F-1C9EB4F941CC}" type="datetimeFigureOut">
               <a:rPr lang="en-US" smtClean="0"/>
-              <a:t>4/26/2019</a:t>
+              <a:t>5/9/2019</a:t>
             </a:fld>
             <a:endParaRPr lang="en-US"/>
           </a:p>
@@ -1435,7 +1446,7 @@
           <a:p>
             <a:fld id="{9AB483C7-B377-43D9-9F1F-1C9EB4F941CC}" type="datetimeFigureOut">
               <a:rPr lang="en-US" smtClean="0"/>
-              <a:t>4/26/2019</a:t>
+              <a:t>5/9/2019</a:t>
             </a:fld>
             <a:endParaRPr lang="en-US"/>
           </a:p>
@@ -1850,7 +1861,7 @@
           <a:p>
             <a:fld id="{9AB483C7-B377-43D9-9F1F-1C9EB4F941CC}" type="datetimeFigureOut">
               <a:rPr lang="en-US" smtClean="0"/>
-              <a:t>4/26/2019</a:t>
+              <a:t>5/9/2019</a:t>
             </a:fld>
             <a:endParaRPr lang="en-US"/>
           </a:p>
@@ -1992,7 +2003,7 @@
           <a:p>
             <a:fld id="{9AB483C7-B377-43D9-9F1F-1C9EB4F941CC}" type="datetimeFigureOut">
               <a:rPr lang="en-US" smtClean="0"/>
-              <a:t>4/26/2019</a:t>
+              <a:t>5/9/2019</a:t>
             </a:fld>
             <a:endParaRPr lang="en-US"/>
           </a:p>
@@ -2105,7 +2116,7 @@
           <a:p>
             <a:fld id="{9AB483C7-B377-43D9-9F1F-1C9EB4F941CC}" type="datetimeFigureOut">
               <a:rPr lang="en-US" smtClean="0"/>
-              <a:t>4/26/2019</a:t>
+              <a:t>5/9/2019</a:t>
             </a:fld>
             <a:endParaRPr lang="en-US"/>
           </a:p>
@@ -2418,7 +2429,7 @@
           <a:p>
             <a:fld id="{9AB483C7-B377-43D9-9F1F-1C9EB4F941CC}" type="datetimeFigureOut">
               <a:rPr lang="en-US" smtClean="0"/>
-              <a:t>4/26/2019</a:t>
+              <a:t>5/9/2019</a:t>
             </a:fld>
             <a:endParaRPr lang="en-US"/>
           </a:p>
@@ -2707,7 +2718,7 @@
           <a:p>
             <a:fld id="{9AB483C7-B377-43D9-9F1F-1C9EB4F941CC}" type="datetimeFigureOut">
               <a:rPr lang="en-US" smtClean="0"/>
-              <a:t>4/26/2019</a:t>
+              <a:t>5/9/2019</a:t>
             </a:fld>
             <a:endParaRPr lang="en-US"/>
           </a:p>
@@ -2950,7 +2961,7 @@
           <a:p>
             <a:fld id="{9AB483C7-B377-43D9-9F1F-1C9EB4F941CC}" type="datetimeFigureOut">
               <a:rPr lang="en-US" smtClean="0"/>
-              <a:t>4/26/2019</a:t>
+              <a:t>5/9/2019</a:t>
             </a:fld>
             <a:endParaRPr lang="en-US"/>
           </a:p>
@@ -7331,14 +7342,18 @@
           <a:lstStyle/>
           <a:p>
             <a:r>
-              <a:rPr lang="pl-PL" dirty="0"/>
-              <a:t>Oręż ETL</a:t>
+              <a:rPr lang="pl-PL" dirty="0" err="1"/>
+              <a:t>ETLs</a:t>
+            </a:r>
+            <a:r>
+              <a:rPr lang="pl-PL" dirty="0"/>
+              <a:t> Utilities</a:t>
             </a:r>
             <a:br>
-              <a:rPr lang="pl-PL"/>
+              <a:rPr lang="pl-PL" dirty="0"/>
             </a:br>
             <a:r>
-              <a:rPr lang="pl-PL" sz="2800"/>
+              <a:rPr lang="pl-PL" sz="2800" dirty="0"/>
               <a:t>MERGE</a:t>
             </a:r>
             <a:endParaRPr lang="en-US" dirty="0"/>
@@ -7761,25 +7776,2703 @@
         </p:nvSpPr>
         <p:spPr>
           <a:xfrm>
-            <a:off x="838200" y="2766218"/>
-            <a:ext cx="10515600" cy="1325563"/>
+            <a:off x="838200" y="365125"/>
+            <a:ext cx="10515600" cy="1081120"/>
           </a:xfrm>
         </p:spPr>
         <p:txBody>
-          <a:bodyPr/>
+          <a:bodyPr>
+            <a:normAutofit/>
+          </a:bodyPr>
           <a:lstStyle/>
           <a:p>
             <a:r>
+              <a:rPr lang="pl-PL" dirty="0" err="1"/>
+              <a:t>ETLs</a:t>
+            </a:r>
+            <a:r>
+              <a:rPr lang="pl-PL" dirty="0"/>
+              <a:t> Utilities</a:t>
+            </a:r>
+            <a:br>
+              <a:rPr lang="pl-PL" dirty="0"/>
+            </a:br>
+            <a:r>
+              <a:rPr lang="pl-PL" sz="2800" dirty="0" err="1"/>
+              <a:t>Traditional</a:t>
+            </a:r>
+            <a:r>
+              <a:rPr lang="pl-PL" sz="2800" dirty="0"/>
+              <a:t> SQL</a:t>
+            </a:r>
+            <a:endParaRPr lang="en-US" dirty="0"/>
+          </a:p>
+        </p:txBody>
+      </p:sp>
+      <p:sp>
+        <p:nvSpPr>
+          <p:cNvPr id="5" name="pole tekstowe 4">
+            <a:extLst>
+              <a:ext uri="{FF2B5EF4-FFF2-40B4-BE49-F238E27FC236}">
+                <a16:creationId xmlns:a16="http://schemas.microsoft.com/office/drawing/2014/main" id="{3D87192D-FCD5-40D9-9EB4-DBA7C3F2DEFD}"/>
+              </a:ext>
+            </a:extLst>
+          </p:cNvPr>
+          <p:cNvSpPr txBox="1"/>
+          <p:nvPr/>
+        </p:nvSpPr>
+        <p:spPr>
+          <a:xfrm>
+            <a:off x="838200" y="1816021"/>
+            <a:ext cx="10661277" cy="369332"/>
+          </a:xfrm>
+          <a:prstGeom prst="rect">
+            <a:avLst/>
+          </a:prstGeom>
+          <a:noFill/>
+        </p:spPr>
+        <p:txBody>
+          <a:bodyPr wrap="square" rtlCol="0">
+            <a:spAutoFit/>
+          </a:bodyPr>
+          <a:lstStyle/>
+          <a:p>
+            <a:r>
+              <a:rPr lang="pl-PL" dirty="0" err="1"/>
+              <a:t>It’s</a:t>
+            </a:r>
+            <a:r>
+              <a:rPr lang="pl-PL" dirty="0"/>
+              <a:t> hard to </a:t>
+            </a:r>
+            <a:r>
+              <a:rPr lang="pl-PL" dirty="0" err="1"/>
+              <a:t>think</a:t>
+            </a:r>
+            <a:r>
+              <a:rPr lang="pl-PL" dirty="0"/>
+              <a:t> </a:t>
+            </a:r>
+            <a:r>
+              <a:rPr lang="pl-PL" dirty="0" err="1"/>
+              <a:t>about</a:t>
+            </a:r>
+            <a:r>
+              <a:rPr lang="pl-PL" dirty="0"/>
+              <a:t> SQL in </a:t>
+            </a:r>
+            <a:r>
+              <a:rPr lang="pl-PL" dirty="0" err="1"/>
+              <a:t>other</a:t>
+            </a:r>
+            <a:r>
+              <a:rPr lang="pl-PL" dirty="0"/>
+              <a:t> </a:t>
+            </a:r>
+            <a:r>
+              <a:rPr lang="pl-PL" dirty="0" err="1"/>
+              <a:t>terms</a:t>
+            </a:r>
+            <a:r>
+              <a:rPr lang="pl-PL" dirty="0"/>
+              <a:t> </a:t>
+            </a:r>
+            <a:r>
+              <a:rPr lang="pl-PL" dirty="0" err="1"/>
+              <a:t>than</a:t>
+            </a:r>
+            <a:r>
+              <a:rPr lang="pl-PL" dirty="0"/>
+              <a:t>:</a:t>
+            </a:r>
+          </a:p>
+        </p:txBody>
+      </p:sp>
+      <mc:AlternateContent xmlns:mc="http://schemas.openxmlformats.org/markup-compatibility/2006">
+        <mc:Choice xmlns:a14="http://schemas.microsoft.com/office/drawing/2010/main" Requires="a14">
+          <p:sp>
+            <p:nvSpPr>
+              <p:cNvPr id="3" name="pole tekstowe 2">
+                <a:extLst>
+                  <a:ext uri="{FF2B5EF4-FFF2-40B4-BE49-F238E27FC236}">
+                    <a16:creationId xmlns:a16="http://schemas.microsoft.com/office/drawing/2014/main" id="{4A155B42-BC90-40E8-B83B-D929B732C574}"/>
+                  </a:ext>
+                </a:extLst>
+              </p:cNvPr>
+              <p:cNvSpPr txBox="1"/>
+              <p:nvPr/>
+            </p:nvSpPr>
+            <p:spPr>
+              <a:xfrm>
+                <a:off x="959858" y="3043895"/>
+                <a:ext cx="10272284" cy="307777"/>
+              </a:xfrm>
+              <a:prstGeom prst="rect">
+                <a:avLst/>
+              </a:prstGeom>
+              <a:noFill/>
+            </p:spPr>
+            <p:txBody>
+              <a:bodyPr wrap="square" lIns="0" tIns="0" rIns="0" bIns="0" rtlCol="0">
+                <a:spAutoFit/>
+              </a:bodyPr>
+              <a:lstStyle/>
+              <a:p>
+                <a:r>
+                  <a:rPr lang="pl-PL" dirty="0"/>
+                  <a:t> </a:t>
+                </a:r>
+                <a14:m>
+                  <m:oMath xmlns:m="http://schemas.openxmlformats.org/officeDocument/2006/math">
+                    <m:r>
+                      <a:rPr lang="pl-PL" sz="2000" b="0" i="1" smtClean="0">
+                        <a:latin typeface="Cambria Math" panose="02040503050406030204" pitchFamily="18" charset="0"/>
+                      </a:rPr>
+                      <m:t>𝑅</m:t>
+                    </m:r>
+                    <m:r>
+                      <a:rPr lang="pl-PL" sz="2000" b="0" i="1" smtClean="0">
+                        <a:latin typeface="Cambria Math" panose="02040503050406030204" pitchFamily="18" charset="0"/>
+                      </a:rPr>
+                      <m:t>→ </m:t>
+                    </m:r>
+                    <m:r>
+                      <a:rPr lang="pl-PL" sz="2000" b="0" i="1" smtClean="0">
+                        <a:latin typeface="Cambria Math" panose="02040503050406030204" pitchFamily="18" charset="0"/>
+                        <a:ea typeface="Cambria Math" panose="02040503050406030204" pitchFamily="18" charset="0"/>
+                      </a:rPr>
+                      <m:t>𝜎</m:t>
+                    </m:r>
+                    <m:r>
+                      <a:rPr lang="pl-PL" sz="2000" b="0" i="1" smtClean="0">
+                        <a:latin typeface="Cambria Math" panose="02040503050406030204" pitchFamily="18" charset="0"/>
+                        <a:ea typeface="Cambria Math" panose="02040503050406030204" pitchFamily="18" charset="0"/>
+                      </a:rPr>
+                      <m:t> → </m:t>
+                    </m:r>
+                    <m:sSub>
+                      <m:sSubPr>
+                        <m:ctrlPr>
+                          <a:rPr lang="pl-PL" sz="2000" b="0" i="1" smtClean="0">
+                            <a:latin typeface="Cambria Math" panose="02040503050406030204" pitchFamily="18" charset="0"/>
+                            <a:ea typeface="Cambria Math" panose="02040503050406030204" pitchFamily="18" charset="0"/>
+                          </a:rPr>
+                        </m:ctrlPr>
+                      </m:sSubPr>
+                      <m:e>
+                        <m:r>
+                          <a:rPr lang="pl-PL" sz="2000" i="1">
+                            <a:latin typeface="Cambria Math" panose="02040503050406030204" pitchFamily="18" charset="0"/>
+                            <a:ea typeface="Cambria Math" panose="02040503050406030204" pitchFamily="18" charset="0"/>
+                          </a:rPr>
+                          <m:t>𝛾</m:t>
+                        </m:r>
+                      </m:e>
+                      <m:sub>
+                        <m:r>
+                          <a:rPr lang="pl-PL" sz="2000" b="0" i="1" smtClean="0">
+                            <a:latin typeface="Cambria Math" panose="02040503050406030204" pitchFamily="18" charset="0"/>
+                            <a:ea typeface="Cambria Math" panose="02040503050406030204" pitchFamily="18" charset="0"/>
+                          </a:rPr>
+                          <m:t>𝜃</m:t>
+                        </m:r>
+                      </m:sub>
+                    </m:sSub>
+                    <m:r>
+                      <a:rPr lang="pl-PL" sz="2000" b="0" i="1" smtClean="0">
+                        <a:latin typeface="Cambria Math" panose="02040503050406030204" pitchFamily="18" charset="0"/>
+                        <a:ea typeface="Cambria Math" panose="02040503050406030204" pitchFamily="18" charset="0"/>
+                      </a:rPr>
+                      <m:t>→ </m:t>
+                    </m:r>
+                    <m:r>
+                      <a:rPr lang="pl-PL" sz="2000" b="0" i="1" smtClean="0">
+                        <a:latin typeface="Cambria Math" panose="02040503050406030204" pitchFamily="18" charset="0"/>
+                        <a:ea typeface="Cambria Math" panose="02040503050406030204" pitchFamily="18" charset="0"/>
+                      </a:rPr>
+                      <m:t>𝜏</m:t>
+                    </m:r>
+                    <m:r>
+                      <a:rPr lang="pl-PL" sz="2000" b="0" i="1" smtClean="0">
+                        <a:latin typeface="Cambria Math" panose="02040503050406030204" pitchFamily="18" charset="0"/>
+                        <a:ea typeface="Cambria Math" panose="02040503050406030204" pitchFamily="18" charset="0"/>
+                      </a:rPr>
+                      <m:t> → </m:t>
+                    </m:r>
+                    <m:r>
+                      <a:rPr lang="pl-PL" sz="2000" b="0" i="1" smtClean="0">
+                        <a:latin typeface="Cambria Math" panose="02040503050406030204" pitchFamily="18" charset="0"/>
+                        <a:ea typeface="Cambria Math" panose="02040503050406030204" pitchFamily="18" charset="0"/>
+                      </a:rPr>
+                      <m:t>𝜋</m:t>
+                    </m:r>
+                    <m:r>
+                      <a:rPr lang="pl-PL" sz="2000" b="0" i="1" smtClean="0">
+                        <a:latin typeface="Cambria Math" panose="02040503050406030204" pitchFamily="18" charset="0"/>
+                        <a:ea typeface="Cambria Math" panose="02040503050406030204" pitchFamily="18" charset="0"/>
+                      </a:rPr>
+                      <m:t> </m:t>
+                    </m:r>
+                  </m:oMath>
+                </a14:m>
+                <a:endParaRPr lang="pl-PL" dirty="0"/>
+              </a:p>
+            </p:txBody>
+          </p:sp>
+        </mc:Choice>
+        <mc:Fallback>
+          <p:sp>
+            <p:nvSpPr>
+              <p:cNvPr id="3" name="pole tekstowe 2">
+                <a:extLst>
+                  <a:ext uri="{FF2B5EF4-FFF2-40B4-BE49-F238E27FC236}">
+                    <a16:creationId xmlns:a16="http://schemas.microsoft.com/office/drawing/2014/main" id="{4A155B42-BC90-40E8-B83B-D929B732C574}"/>
+                  </a:ext>
+                </a:extLst>
+              </p:cNvPr>
+              <p:cNvSpPr txBox="1">
+                <a:spLocks noRot="1" noChangeAspect="1" noMove="1" noResize="1" noEditPoints="1" noAdjustHandles="1" noChangeArrowheads="1" noChangeShapeType="1" noTextEdit="1"/>
+              </p:cNvSpPr>
+              <p:nvPr/>
+            </p:nvSpPr>
+            <p:spPr>
+              <a:xfrm>
+                <a:off x="959858" y="3043895"/>
+                <a:ext cx="10272284" cy="307777"/>
+              </a:xfrm>
+              <a:prstGeom prst="rect">
+                <a:avLst/>
+              </a:prstGeom>
+              <a:blipFill>
+                <a:blip r:embed="rId2"/>
+                <a:stretch>
+                  <a:fillRect l="-297" b="-21569"/>
+                </a:stretch>
+              </a:blipFill>
+            </p:spPr>
+            <p:txBody>
+              <a:bodyPr/>
+              <a:lstStyle/>
+              <a:p>
+                <a:r>
+                  <a:rPr lang="pl-PL">
+                    <a:noFill/>
+                  </a:rPr>
+                  <a:t> </a:t>
+                </a:r>
+              </a:p>
+            </p:txBody>
+          </p:sp>
+        </mc:Fallback>
+      </mc:AlternateContent>
+      <mc:AlternateContent xmlns:mc="http://schemas.openxmlformats.org/markup-compatibility/2006">
+        <mc:Choice xmlns:a14="http://schemas.microsoft.com/office/drawing/2010/main" Requires="a14">
+          <p:sp>
+            <p:nvSpPr>
+              <p:cNvPr id="6" name="pole tekstowe 5">
+                <a:extLst>
+                  <a:ext uri="{FF2B5EF4-FFF2-40B4-BE49-F238E27FC236}">
+                    <a16:creationId xmlns:a16="http://schemas.microsoft.com/office/drawing/2014/main" id="{3BB97F4D-53BE-4648-9FD0-CD49D925B15E}"/>
+                  </a:ext>
+                </a:extLst>
+              </p:cNvPr>
+              <p:cNvSpPr txBox="1"/>
+              <p:nvPr/>
+            </p:nvSpPr>
+            <p:spPr>
+              <a:xfrm>
+                <a:off x="887019" y="2309655"/>
+                <a:ext cx="10661277" cy="677108"/>
+              </a:xfrm>
+              <a:prstGeom prst="rect">
+                <a:avLst/>
+              </a:prstGeom>
+              <a:noFill/>
+            </p:spPr>
+            <p:txBody>
+              <a:bodyPr wrap="square" rtlCol="0">
+                <a:spAutoFit/>
+              </a:bodyPr>
+              <a:lstStyle/>
+              <a:p>
+                <a:r>
+                  <a:rPr lang="pl-PL" dirty="0"/>
+                  <a:t> </a:t>
+                </a:r>
+                <a14:m>
+                  <m:oMath xmlns:m="http://schemas.openxmlformats.org/officeDocument/2006/math">
+                    <m:r>
+                      <m:rPr>
+                        <m:sty m:val="p"/>
+                      </m:rPr>
+                      <a:rPr lang="pl-PL" sz="2000" b="0" i="0" smtClean="0">
+                        <a:latin typeface="Cambria Math" panose="02040503050406030204" pitchFamily="18" charset="0"/>
+                      </a:rPr>
+                      <m:t>FROM</m:t>
+                    </m:r>
+                    <m:r>
+                      <a:rPr lang="pl-PL" sz="2000" i="1">
+                        <a:latin typeface="Cambria Math" panose="02040503050406030204" pitchFamily="18" charset="0"/>
+                      </a:rPr>
+                      <m:t>→</m:t>
+                    </m:r>
+                    <m:r>
+                      <a:rPr lang="pl-PL" sz="2000" b="0" i="1" smtClean="0">
+                        <a:latin typeface="Cambria Math" panose="02040503050406030204" pitchFamily="18" charset="0"/>
+                      </a:rPr>
+                      <m:t>𝑊𝐻𝐸𝑅𝐸</m:t>
+                    </m:r>
+                    <m:r>
+                      <a:rPr lang="pl-PL" sz="2000" b="0" i="1" smtClean="0">
+                        <a:latin typeface="Cambria Math" panose="02040503050406030204" pitchFamily="18" charset="0"/>
+                      </a:rPr>
+                      <m:t> →</m:t>
+                    </m:r>
+                    <m:r>
+                      <a:rPr lang="pl-PL" sz="2000" b="0" i="1" smtClean="0">
+                        <a:latin typeface="Cambria Math" panose="02040503050406030204" pitchFamily="18" charset="0"/>
+                      </a:rPr>
+                      <m:t>𝐺𝑅𝑂𝑈𝑃</m:t>
+                    </m:r>
+                    <m:r>
+                      <a:rPr lang="pl-PL" sz="2000" b="0" i="1" smtClean="0">
+                        <a:latin typeface="Cambria Math" panose="02040503050406030204" pitchFamily="18" charset="0"/>
+                      </a:rPr>
+                      <m:t> </m:t>
+                    </m:r>
+                    <m:r>
+                      <a:rPr lang="pl-PL" sz="2000" b="0" i="1" smtClean="0">
+                        <a:latin typeface="Cambria Math" panose="02040503050406030204" pitchFamily="18" charset="0"/>
+                      </a:rPr>
+                      <m:t>𝐵𝑌</m:t>
+                    </m:r>
+                    <m:r>
+                      <a:rPr lang="pl-PL" sz="2000" b="0" i="1" smtClean="0">
+                        <a:latin typeface="Cambria Math" panose="02040503050406030204" pitchFamily="18" charset="0"/>
+                      </a:rPr>
+                      <m:t> →</m:t>
+                    </m:r>
+                    <m:r>
+                      <a:rPr lang="pl-PL" sz="2000" b="0" i="1" smtClean="0">
+                        <a:latin typeface="Cambria Math" panose="02040503050406030204" pitchFamily="18" charset="0"/>
+                      </a:rPr>
+                      <m:t>𝐻𝐴𝑉𝐼𝑁𝐺</m:t>
+                    </m:r>
+                    <m:r>
+                      <a:rPr lang="pl-PL" sz="2000" b="0" i="1" smtClean="0">
+                        <a:latin typeface="Cambria Math" panose="02040503050406030204" pitchFamily="18" charset="0"/>
+                      </a:rPr>
+                      <m:t> →</m:t>
+                    </m:r>
+                    <m:r>
+                      <a:rPr lang="pl-PL" sz="2000" i="1">
+                        <a:latin typeface="Cambria Math" panose="02040503050406030204" pitchFamily="18" charset="0"/>
+                      </a:rPr>
+                      <m:t>𝑂𝑅𝐷𝐸𝑅</m:t>
+                    </m:r>
+                    <m:r>
+                      <a:rPr lang="pl-PL" sz="2000" i="1">
+                        <a:latin typeface="Cambria Math" panose="02040503050406030204" pitchFamily="18" charset="0"/>
+                      </a:rPr>
+                      <m:t> </m:t>
+                    </m:r>
+                    <m:r>
+                      <a:rPr lang="pl-PL" sz="2000" i="1">
+                        <a:latin typeface="Cambria Math" panose="02040503050406030204" pitchFamily="18" charset="0"/>
+                      </a:rPr>
+                      <m:t>𝐵𝑌</m:t>
+                    </m:r>
+                    <m:r>
+                      <a:rPr lang="pl-PL" sz="2000" b="0" i="1" smtClean="0">
+                        <a:latin typeface="Cambria Math" panose="02040503050406030204" pitchFamily="18" charset="0"/>
+                      </a:rPr>
+                      <m:t> → </m:t>
+                    </m:r>
+                    <m:r>
+                      <a:rPr lang="pl-PL" sz="2000" b="0" i="1" smtClean="0">
+                        <a:latin typeface="Cambria Math" panose="02040503050406030204" pitchFamily="18" charset="0"/>
+                      </a:rPr>
+                      <m:t>𝑆𝐸𝐿𝐸𝐶𝑇</m:t>
+                    </m:r>
+                    <m:r>
+                      <a:rPr lang="pl-PL" sz="2000" b="0" i="1" smtClean="0">
+                        <a:latin typeface="Cambria Math" panose="02040503050406030204" pitchFamily="18" charset="0"/>
+                      </a:rPr>
+                      <m:t> </m:t>
+                    </m:r>
+                  </m:oMath>
+                </a14:m>
+                <a:endParaRPr lang="pl-PL" i="1" dirty="0"/>
+              </a:p>
+              <a:p>
+                <a:endParaRPr lang="pl-PL" dirty="0"/>
+              </a:p>
+            </p:txBody>
+          </p:sp>
+        </mc:Choice>
+        <mc:Fallback>
+          <p:sp>
+            <p:nvSpPr>
+              <p:cNvPr id="6" name="pole tekstowe 5">
+                <a:extLst>
+                  <a:ext uri="{FF2B5EF4-FFF2-40B4-BE49-F238E27FC236}">
+                    <a16:creationId xmlns:a16="http://schemas.microsoft.com/office/drawing/2014/main" id="{3BB97F4D-53BE-4648-9FD0-CD49D925B15E}"/>
+                  </a:ext>
+                </a:extLst>
+              </p:cNvPr>
+              <p:cNvSpPr txBox="1">
+                <a:spLocks noRot="1" noChangeAspect="1" noMove="1" noResize="1" noEditPoints="1" noAdjustHandles="1" noChangeArrowheads="1" noChangeShapeType="1" noTextEdit="1"/>
+              </p:cNvSpPr>
+              <p:nvPr/>
+            </p:nvSpPr>
+            <p:spPr>
+              <a:xfrm>
+                <a:off x="887019" y="2309655"/>
+                <a:ext cx="10661277" cy="677108"/>
+              </a:xfrm>
+              <a:prstGeom prst="rect">
+                <a:avLst/>
+              </a:prstGeom>
+              <a:blipFill>
+                <a:blip r:embed="rId3"/>
+                <a:stretch>
+                  <a:fillRect/>
+                </a:stretch>
+              </a:blipFill>
+            </p:spPr>
+            <p:txBody>
+              <a:bodyPr/>
+              <a:lstStyle/>
+              <a:p>
+                <a:r>
+                  <a:rPr lang="pl-PL">
+                    <a:noFill/>
+                  </a:rPr>
+                  <a:t> </a:t>
+                </a:r>
+              </a:p>
+            </p:txBody>
+          </p:sp>
+        </mc:Fallback>
+      </mc:AlternateContent>
+    </p:spTree>
+    <p:extLst>
+      <p:ext uri="{BB962C8B-B14F-4D97-AF65-F5344CB8AC3E}">
+        <p14:creationId xmlns:p14="http://schemas.microsoft.com/office/powerpoint/2010/main" val="3220050428"/>
+      </p:ext>
+    </p:extLst>
+  </p:cSld>
+  <p:clrMapOvr>
+    <a:masterClrMapping/>
+  </p:clrMapOvr>
+</p:sld>
+</file>
+
+<file path=ppt/slides/slide22.xml><?xml version="1.0" encoding="utf-8"?>
+<p:sld xmlns:a="http://schemas.openxmlformats.org/drawingml/2006/main" xmlns:r="http://schemas.openxmlformats.org/officeDocument/2006/relationships" xmlns:p="http://schemas.openxmlformats.org/presentationml/2006/main">
+  <p:cSld>
+    <p:spTree>
+      <p:nvGrpSpPr>
+        <p:cNvPr id="1" name=""/>
+        <p:cNvGrpSpPr/>
+        <p:nvPr/>
+      </p:nvGrpSpPr>
+      <p:grpSpPr>
+        <a:xfrm>
+          <a:off x="0" y="0"/>
+          <a:ext cx="0" cy="0"/>
+          <a:chOff x="0" y="0"/>
+          <a:chExt cx="0" cy="0"/>
+        </a:xfrm>
+      </p:grpSpPr>
+      <p:sp>
+        <p:nvSpPr>
+          <p:cNvPr id="2" name="Tytuł 1">
+            <a:extLst>
+              <a:ext uri="{FF2B5EF4-FFF2-40B4-BE49-F238E27FC236}">
+                <a16:creationId xmlns:a16="http://schemas.microsoft.com/office/drawing/2014/main" id="{FDC47801-9FB8-45CC-8FA2-483A0B5FA0D4}"/>
+              </a:ext>
+            </a:extLst>
+          </p:cNvPr>
+          <p:cNvSpPr>
+            <a:spLocks noGrp="1"/>
+          </p:cNvSpPr>
+          <p:nvPr>
+            <p:ph type="title"/>
+          </p:nvPr>
+        </p:nvSpPr>
+        <p:spPr>
+          <a:xfrm>
+            <a:off x="838200" y="365125"/>
+            <a:ext cx="10515600" cy="1081120"/>
+          </a:xfrm>
+        </p:spPr>
+        <p:txBody>
+          <a:bodyPr>
+            <a:normAutofit/>
+          </a:bodyPr>
+          <a:lstStyle/>
+          <a:p>
+            <a:r>
+              <a:rPr lang="pl-PL" dirty="0" err="1"/>
+              <a:t>ETLs</a:t>
+            </a:r>
+            <a:r>
+              <a:rPr lang="pl-PL" dirty="0"/>
+              <a:t> Utilities</a:t>
+            </a:r>
+            <a:br>
+              <a:rPr lang="pl-PL" dirty="0"/>
+            </a:br>
+            <a:r>
+              <a:rPr lang="pl-PL" sz="2800" dirty="0" err="1"/>
+              <a:t>Recursive</a:t>
+            </a:r>
+            <a:r>
+              <a:rPr lang="pl-PL" sz="2800" dirty="0"/>
+              <a:t> SQL</a:t>
+            </a:r>
+            <a:endParaRPr lang="en-US" dirty="0"/>
+          </a:p>
+        </p:txBody>
+      </p:sp>
+      <p:sp>
+        <p:nvSpPr>
+          <p:cNvPr id="5" name="pole tekstowe 4">
+            <a:extLst>
+              <a:ext uri="{FF2B5EF4-FFF2-40B4-BE49-F238E27FC236}">
+                <a16:creationId xmlns:a16="http://schemas.microsoft.com/office/drawing/2014/main" id="{3D87192D-FCD5-40D9-9EB4-DBA7C3F2DEFD}"/>
+              </a:ext>
+            </a:extLst>
+          </p:cNvPr>
+          <p:cNvSpPr txBox="1"/>
+          <p:nvPr/>
+        </p:nvSpPr>
+        <p:spPr>
+          <a:xfrm>
+            <a:off x="838200" y="1816021"/>
+            <a:ext cx="10661277" cy="369332"/>
+          </a:xfrm>
+          <a:prstGeom prst="rect">
+            <a:avLst/>
+          </a:prstGeom>
+          <a:noFill/>
+        </p:spPr>
+        <p:txBody>
+          <a:bodyPr wrap="square" rtlCol="0">
+            <a:spAutoFit/>
+          </a:bodyPr>
+          <a:lstStyle/>
+          <a:p>
+            <a:r>
+              <a:rPr lang="pl-PL" dirty="0" err="1"/>
+              <a:t>It’s</a:t>
+            </a:r>
+            <a:r>
+              <a:rPr lang="pl-PL" dirty="0"/>
+              <a:t> hard to </a:t>
+            </a:r>
+            <a:r>
+              <a:rPr lang="pl-PL" dirty="0" err="1"/>
+              <a:t>think</a:t>
+            </a:r>
+            <a:r>
+              <a:rPr lang="pl-PL" dirty="0"/>
+              <a:t> </a:t>
+            </a:r>
+            <a:r>
+              <a:rPr lang="pl-PL" dirty="0" err="1"/>
+              <a:t>about</a:t>
+            </a:r>
+            <a:r>
+              <a:rPr lang="pl-PL" dirty="0"/>
+              <a:t> SQL in </a:t>
+            </a:r>
+            <a:r>
+              <a:rPr lang="pl-PL" dirty="0" err="1"/>
+              <a:t>other</a:t>
+            </a:r>
+            <a:r>
+              <a:rPr lang="pl-PL" dirty="0"/>
+              <a:t> </a:t>
+            </a:r>
+            <a:r>
+              <a:rPr lang="pl-PL" dirty="0" err="1"/>
+              <a:t>terms</a:t>
+            </a:r>
+            <a:r>
+              <a:rPr lang="pl-PL" dirty="0"/>
+              <a:t> </a:t>
+            </a:r>
+            <a:r>
+              <a:rPr lang="pl-PL" dirty="0" err="1"/>
+              <a:t>than</a:t>
+            </a:r>
+            <a:r>
+              <a:rPr lang="pl-PL" dirty="0"/>
+              <a:t>:</a:t>
+            </a:r>
+          </a:p>
+        </p:txBody>
+      </p:sp>
+      <mc:AlternateContent xmlns:mc="http://schemas.openxmlformats.org/markup-compatibility/2006">
+        <mc:Choice xmlns:a14="http://schemas.microsoft.com/office/drawing/2010/main" Requires="a14">
+          <p:sp>
+            <p:nvSpPr>
+              <p:cNvPr id="3" name="pole tekstowe 2">
+                <a:extLst>
+                  <a:ext uri="{FF2B5EF4-FFF2-40B4-BE49-F238E27FC236}">
+                    <a16:creationId xmlns:a16="http://schemas.microsoft.com/office/drawing/2014/main" id="{4A155B42-BC90-40E8-B83B-D929B732C574}"/>
+                  </a:ext>
+                </a:extLst>
+              </p:cNvPr>
+              <p:cNvSpPr txBox="1"/>
+              <p:nvPr/>
+            </p:nvSpPr>
+            <p:spPr>
+              <a:xfrm>
+                <a:off x="887019" y="4233503"/>
+                <a:ext cx="10272284" cy="307777"/>
+              </a:xfrm>
+              <a:prstGeom prst="rect">
+                <a:avLst/>
+              </a:prstGeom>
+              <a:noFill/>
+            </p:spPr>
+            <p:txBody>
+              <a:bodyPr wrap="square" lIns="0" tIns="0" rIns="0" bIns="0" rtlCol="0">
+                <a:spAutoFit/>
+              </a:bodyPr>
+              <a:lstStyle/>
+              <a:p>
+                <a:r>
+                  <a:rPr lang="pl-PL" dirty="0"/>
+                  <a:t> </a:t>
+                </a:r>
+                <a14:m>
+                  <m:oMath xmlns:m="http://schemas.openxmlformats.org/officeDocument/2006/math">
+                    <m:r>
+                      <a:rPr lang="pl-PL" sz="2000" b="0" i="1" smtClean="0">
+                        <a:latin typeface="Cambria Math" panose="02040503050406030204" pitchFamily="18" charset="0"/>
+                      </a:rPr>
+                      <m:t>𝑅</m:t>
+                    </m:r>
+                    <m:r>
+                      <a:rPr lang="pl-PL" sz="2000" b="0" i="1" smtClean="0">
+                        <a:latin typeface="Cambria Math" panose="02040503050406030204" pitchFamily="18" charset="0"/>
+                      </a:rPr>
+                      <m:t>→ </m:t>
+                    </m:r>
+                    <m:r>
+                      <a:rPr lang="pl-PL" sz="2000" b="0" i="1" smtClean="0">
+                        <a:latin typeface="Cambria Math" panose="02040503050406030204" pitchFamily="18" charset="0"/>
+                        <a:ea typeface="Cambria Math" panose="02040503050406030204" pitchFamily="18" charset="0"/>
+                      </a:rPr>
+                      <m:t>𝜎</m:t>
+                    </m:r>
+                    <m:r>
+                      <a:rPr lang="pl-PL" sz="2000" b="0" i="1" smtClean="0">
+                        <a:latin typeface="Cambria Math" panose="02040503050406030204" pitchFamily="18" charset="0"/>
+                        <a:ea typeface="Cambria Math" panose="02040503050406030204" pitchFamily="18" charset="0"/>
+                      </a:rPr>
+                      <m:t> → </m:t>
+                    </m:r>
+                    <m:sSub>
+                      <m:sSubPr>
+                        <m:ctrlPr>
+                          <a:rPr lang="pl-PL" sz="2000" b="0" i="1" smtClean="0">
+                            <a:latin typeface="Cambria Math" panose="02040503050406030204" pitchFamily="18" charset="0"/>
+                            <a:ea typeface="Cambria Math" panose="02040503050406030204" pitchFamily="18" charset="0"/>
+                          </a:rPr>
+                        </m:ctrlPr>
+                      </m:sSubPr>
+                      <m:e>
+                        <m:r>
+                          <a:rPr lang="pl-PL" sz="2000" i="1">
+                            <a:latin typeface="Cambria Math" panose="02040503050406030204" pitchFamily="18" charset="0"/>
+                            <a:ea typeface="Cambria Math" panose="02040503050406030204" pitchFamily="18" charset="0"/>
+                          </a:rPr>
+                          <m:t>𝛾</m:t>
+                        </m:r>
+                      </m:e>
+                      <m:sub>
+                        <m:r>
+                          <a:rPr lang="pl-PL" sz="2000" b="0" i="1" smtClean="0">
+                            <a:latin typeface="Cambria Math" panose="02040503050406030204" pitchFamily="18" charset="0"/>
+                            <a:ea typeface="Cambria Math" panose="02040503050406030204" pitchFamily="18" charset="0"/>
+                          </a:rPr>
+                          <m:t>𝜃</m:t>
+                        </m:r>
+                      </m:sub>
+                    </m:sSub>
+                    <m:r>
+                      <a:rPr lang="pl-PL" sz="2000" b="0" i="1" smtClean="0">
+                        <a:latin typeface="Cambria Math" panose="02040503050406030204" pitchFamily="18" charset="0"/>
+                        <a:ea typeface="Cambria Math" panose="02040503050406030204" pitchFamily="18" charset="0"/>
+                      </a:rPr>
+                      <m:t>→ </m:t>
+                    </m:r>
+                    <m:r>
+                      <a:rPr lang="pl-PL" sz="2000" b="0" i="1" smtClean="0">
+                        <a:latin typeface="Cambria Math" panose="02040503050406030204" pitchFamily="18" charset="0"/>
+                        <a:ea typeface="Cambria Math" panose="02040503050406030204" pitchFamily="18" charset="0"/>
+                      </a:rPr>
+                      <m:t>𝜏</m:t>
+                    </m:r>
+                    <m:r>
+                      <a:rPr lang="pl-PL" sz="2000" b="0" i="1" smtClean="0">
+                        <a:latin typeface="Cambria Math" panose="02040503050406030204" pitchFamily="18" charset="0"/>
+                        <a:ea typeface="Cambria Math" panose="02040503050406030204" pitchFamily="18" charset="0"/>
+                      </a:rPr>
+                      <m:t> → </m:t>
+                    </m:r>
+                    <m:r>
+                      <a:rPr lang="pl-PL" sz="2000" b="0" i="1" smtClean="0">
+                        <a:latin typeface="Cambria Math" panose="02040503050406030204" pitchFamily="18" charset="0"/>
+                        <a:ea typeface="Cambria Math" panose="02040503050406030204" pitchFamily="18" charset="0"/>
+                      </a:rPr>
+                      <m:t>𝜋</m:t>
+                    </m:r>
+                    <m:r>
+                      <a:rPr lang="pl-PL" sz="2000" b="0" i="1" smtClean="0">
+                        <a:latin typeface="Cambria Math" panose="02040503050406030204" pitchFamily="18" charset="0"/>
+                        <a:ea typeface="Cambria Math" panose="02040503050406030204" pitchFamily="18" charset="0"/>
+                      </a:rPr>
+                      <m:t> </m:t>
+                    </m:r>
+                  </m:oMath>
+                </a14:m>
+                <a:endParaRPr lang="pl-PL" dirty="0"/>
+              </a:p>
+            </p:txBody>
+          </p:sp>
+        </mc:Choice>
+        <mc:Fallback>
+          <p:sp>
+            <p:nvSpPr>
+              <p:cNvPr id="3" name="pole tekstowe 2">
+                <a:extLst>
+                  <a:ext uri="{FF2B5EF4-FFF2-40B4-BE49-F238E27FC236}">
+                    <a16:creationId xmlns:a16="http://schemas.microsoft.com/office/drawing/2014/main" id="{4A155B42-BC90-40E8-B83B-D929B732C574}"/>
+                  </a:ext>
+                </a:extLst>
+              </p:cNvPr>
+              <p:cNvSpPr txBox="1">
+                <a:spLocks noRot="1" noChangeAspect="1" noMove="1" noResize="1" noEditPoints="1" noAdjustHandles="1" noChangeArrowheads="1" noChangeShapeType="1" noTextEdit="1"/>
+              </p:cNvSpPr>
+              <p:nvPr/>
+            </p:nvSpPr>
+            <p:spPr>
+              <a:xfrm>
+                <a:off x="887019" y="4233503"/>
+                <a:ext cx="10272284" cy="307777"/>
+              </a:xfrm>
+              <a:prstGeom prst="rect">
+                <a:avLst/>
+              </a:prstGeom>
+              <a:blipFill>
+                <a:blip r:embed="rId2"/>
+                <a:stretch>
+                  <a:fillRect l="-356" b="-21569"/>
+                </a:stretch>
+              </a:blipFill>
+            </p:spPr>
+            <p:txBody>
+              <a:bodyPr/>
+              <a:lstStyle/>
+              <a:p>
+                <a:r>
+                  <a:rPr lang="pl-PL">
+                    <a:noFill/>
+                  </a:rPr>
+                  <a:t> </a:t>
+                </a:r>
+              </a:p>
+            </p:txBody>
+          </p:sp>
+        </mc:Fallback>
+      </mc:AlternateContent>
+      <mc:AlternateContent xmlns:mc="http://schemas.openxmlformats.org/markup-compatibility/2006">
+        <mc:Choice xmlns:a14="http://schemas.microsoft.com/office/drawing/2010/main" Requires="a14">
+          <p:sp>
+            <p:nvSpPr>
+              <p:cNvPr id="6" name="pole tekstowe 5">
+                <a:extLst>
+                  <a:ext uri="{FF2B5EF4-FFF2-40B4-BE49-F238E27FC236}">
+                    <a16:creationId xmlns:a16="http://schemas.microsoft.com/office/drawing/2014/main" id="{3BB97F4D-53BE-4648-9FD0-CD49D925B15E}"/>
+                  </a:ext>
+                </a:extLst>
+              </p:cNvPr>
+              <p:cNvSpPr txBox="1"/>
+              <p:nvPr/>
+            </p:nvSpPr>
+            <p:spPr>
+              <a:xfrm>
+                <a:off x="887019" y="2309655"/>
+                <a:ext cx="10661277" cy="677108"/>
+              </a:xfrm>
+              <a:prstGeom prst="rect">
+                <a:avLst/>
+              </a:prstGeom>
+              <a:noFill/>
+            </p:spPr>
+            <p:txBody>
+              <a:bodyPr wrap="square" rtlCol="0">
+                <a:spAutoFit/>
+              </a:bodyPr>
+              <a:lstStyle/>
+              <a:p>
+                <a:r>
+                  <a:rPr lang="pl-PL" dirty="0"/>
+                  <a:t> </a:t>
+                </a:r>
+                <a14:m>
+                  <m:oMath xmlns:m="http://schemas.openxmlformats.org/officeDocument/2006/math">
+                    <m:r>
+                      <m:rPr>
+                        <m:sty m:val="p"/>
+                      </m:rPr>
+                      <a:rPr lang="pl-PL" sz="2000" b="0" i="0" smtClean="0">
+                        <a:latin typeface="Cambria Math" panose="02040503050406030204" pitchFamily="18" charset="0"/>
+                      </a:rPr>
+                      <m:t>FROM</m:t>
+                    </m:r>
+                    <m:r>
+                      <a:rPr lang="pl-PL" sz="2000" i="1">
+                        <a:latin typeface="Cambria Math" panose="02040503050406030204" pitchFamily="18" charset="0"/>
+                      </a:rPr>
+                      <m:t>→</m:t>
+                    </m:r>
+                    <m:r>
+                      <a:rPr lang="pl-PL" sz="2000" b="0" i="1" smtClean="0">
+                        <a:latin typeface="Cambria Math" panose="02040503050406030204" pitchFamily="18" charset="0"/>
+                      </a:rPr>
+                      <m:t>𝑊𝐻𝐸𝑅𝐸</m:t>
+                    </m:r>
+                    <m:r>
+                      <a:rPr lang="pl-PL" sz="2000" b="0" i="1" smtClean="0">
+                        <a:latin typeface="Cambria Math" panose="02040503050406030204" pitchFamily="18" charset="0"/>
+                      </a:rPr>
+                      <m:t> →</m:t>
+                    </m:r>
+                    <m:r>
+                      <a:rPr lang="pl-PL" sz="2000" b="0" i="1" smtClean="0">
+                        <a:latin typeface="Cambria Math" panose="02040503050406030204" pitchFamily="18" charset="0"/>
+                      </a:rPr>
+                      <m:t>𝐺𝑅𝑂𝑈𝑃</m:t>
+                    </m:r>
+                    <m:r>
+                      <a:rPr lang="pl-PL" sz="2000" b="0" i="1" smtClean="0">
+                        <a:latin typeface="Cambria Math" panose="02040503050406030204" pitchFamily="18" charset="0"/>
+                      </a:rPr>
+                      <m:t> </m:t>
+                    </m:r>
+                    <m:r>
+                      <a:rPr lang="pl-PL" sz="2000" b="0" i="1" smtClean="0">
+                        <a:latin typeface="Cambria Math" panose="02040503050406030204" pitchFamily="18" charset="0"/>
+                      </a:rPr>
+                      <m:t>𝐵𝑌</m:t>
+                    </m:r>
+                    <m:r>
+                      <a:rPr lang="pl-PL" sz="2000" b="0" i="1" smtClean="0">
+                        <a:latin typeface="Cambria Math" panose="02040503050406030204" pitchFamily="18" charset="0"/>
+                      </a:rPr>
+                      <m:t> →</m:t>
+                    </m:r>
+                    <m:r>
+                      <a:rPr lang="pl-PL" sz="2000" b="0" i="1" smtClean="0">
+                        <a:latin typeface="Cambria Math" panose="02040503050406030204" pitchFamily="18" charset="0"/>
+                      </a:rPr>
+                      <m:t>𝐻𝐴𝑉𝐼𝑁𝐺</m:t>
+                    </m:r>
+                    <m:r>
+                      <a:rPr lang="pl-PL" sz="2000" b="0" i="1" smtClean="0">
+                        <a:latin typeface="Cambria Math" panose="02040503050406030204" pitchFamily="18" charset="0"/>
+                      </a:rPr>
+                      <m:t> →</m:t>
+                    </m:r>
+                    <m:r>
+                      <a:rPr lang="pl-PL" sz="2000" i="1">
+                        <a:latin typeface="Cambria Math" panose="02040503050406030204" pitchFamily="18" charset="0"/>
+                      </a:rPr>
+                      <m:t>𝑂𝑅𝐷𝐸𝑅</m:t>
+                    </m:r>
+                    <m:r>
+                      <a:rPr lang="pl-PL" sz="2000" i="1">
+                        <a:latin typeface="Cambria Math" panose="02040503050406030204" pitchFamily="18" charset="0"/>
+                      </a:rPr>
+                      <m:t> </m:t>
+                    </m:r>
+                    <m:r>
+                      <a:rPr lang="pl-PL" sz="2000" i="1">
+                        <a:latin typeface="Cambria Math" panose="02040503050406030204" pitchFamily="18" charset="0"/>
+                      </a:rPr>
+                      <m:t>𝐵𝑌</m:t>
+                    </m:r>
+                    <m:r>
+                      <a:rPr lang="pl-PL" sz="2000" b="0" i="1" smtClean="0">
+                        <a:latin typeface="Cambria Math" panose="02040503050406030204" pitchFamily="18" charset="0"/>
+                      </a:rPr>
+                      <m:t> → </m:t>
+                    </m:r>
+                    <m:r>
+                      <a:rPr lang="pl-PL" sz="2000" b="0" i="1" smtClean="0">
+                        <a:latin typeface="Cambria Math" panose="02040503050406030204" pitchFamily="18" charset="0"/>
+                      </a:rPr>
+                      <m:t>𝑆𝐸𝐿𝐸𝐶𝑇</m:t>
+                    </m:r>
+                    <m:r>
+                      <a:rPr lang="pl-PL" sz="2000" b="0" i="1" smtClean="0">
+                        <a:latin typeface="Cambria Math" panose="02040503050406030204" pitchFamily="18" charset="0"/>
+                      </a:rPr>
+                      <m:t> </m:t>
+                    </m:r>
+                  </m:oMath>
+                </a14:m>
+                <a:endParaRPr lang="pl-PL" i="1" dirty="0"/>
+              </a:p>
+              <a:p>
+                <a:endParaRPr lang="pl-PL" dirty="0"/>
+              </a:p>
+            </p:txBody>
+          </p:sp>
+        </mc:Choice>
+        <mc:Fallback>
+          <p:sp>
+            <p:nvSpPr>
+              <p:cNvPr id="6" name="pole tekstowe 5">
+                <a:extLst>
+                  <a:ext uri="{FF2B5EF4-FFF2-40B4-BE49-F238E27FC236}">
+                    <a16:creationId xmlns:a16="http://schemas.microsoft.com/office/drawing/2014/main" id="{3BB97F4D-53BE-4648-9FD0-CD49D925B15E}"/>
+                  </a:ext>
+                </a:extLst>
+              </p:cNvPr>
+              <p:cNvSpPr txBox="1">
+                <a:spLocks noRot="1" noChangeAspect="1" noMove="1" noResize="1" noEditPoints="1" noAdjustHandles="1" noChangeArrowheads="1" noChangeShapeType="1" noTextEdit="1"/>
+              </p:cNvSpPr>
+              <p:nvPr/>
+            </p:nvSpPr>
+            <p:spPr>
+              <a:xfrm>
+                <a:off x="887019" y="2309655"/>
+                <a:ext cx="10661277" cy="677108"/>
+              </a:xfrm>
+              <a:prstGeom prst="rect">
+                <a:avLst/>
+              </a:prstGeom>
+              <a:blipFill>
+                <a:blip r:embed="rId3"/>
+                <a:stretch>
+                  <a:fillRect/>
+                </a:stretch>
+              </a:blipFill>
+            </p:spPr>
+            <p:txBody>
+              <a:bodyPr/>
+              <a:lstStyle/>
+              <a:p>
+                <a:r>
+                  <a:rPr lang="pl-PL">
+                    <a:noFill/>
+                  </a:rPr>
+                  <a:t> </a:t>
+                </a:r>
+              </a:p>
+            </p:txBody>
+          </p:sp>
+        </mc:Fallback>
+      </mc:AlternateContent>
+      <p:cxnSp>
+        <p:nvCxnSpPr>
+          <p:cNvPr id="7" name="Łącznik: zakrzywiony 6">
+            <a:extLst>
+              <a:ext uri="{FF2B5EF4-FFF2-40B4-BE49-F238E27FC236}">
+                <a16:creationId xmlns:a16="http://schemas.microsoft.com/office/drawing/2014/main" id="{088B333B-06FE-4CFF-9F76-12393DBCB511}"/>
+              </a:ext>
+            </a:extLst>
+          </p:cNvPr>
+          <p:cNvCxnSpPr>
+            <a:cxnSpLocks/>
+          </p:cNvCxnSpPr>
+          <p:nvPr/>
+        </p:nvCxnSpPr>
+        <p:spPr>
+          <a:xfrm rot="10800000">
+            <a:off x="643704" y="2592093"/>
+            <a:ext cx="8118558" cy="518974"/>
+          </a:xfrm>
+          <a:prstGeom prst="curvedConnector3">
+            <a:avLst>
+              <a:gd name="adj1" fmla="val 102926"/>
+            </a:avLst>
+          </a:prstGeom>
+          <a:ln>
+            <a:tailEnd type="triangle"/>
+          </a:ln>
+        </p:spPr>
+        <p:style>
+          <a:lnRef idx="1">
+            <a:schemeClr val="dk1"/>
+          </a:lnRef>
+          <a:fillRef idx="0">
+            <a:schemeClr val="dk1"/>
+          </a:fillRef>
+          <a:effectRef idx="0">
+            <a:schemeClr val="dk1"/>
+          </a:effectRef>
+          <a:fontRef idx="minor">
+            <a:schemeClr val="tx1"/>
+          </a:fontRef>
+        </p:style>
+      </p:cxnSp>
+      <p:cxnSp>
+        <p:nvCxnSpPr>
+          <p:cNvPr id="14" name="Łącznik: zakrzywiony 13">
+            <a:extLst>
+              <a:ext uri="{FF2B5EF4-FFF2-40B4-BE49-F238E27FC236}">
+                <a16:creationId xmlns:a16="http://schemas.microsoft.com/office/drawing/2014/main" id="{170BDD6C-65B9-4DBA-B833-14AC350957BF}"/>
+              </a:ext>
+            </a:extLst>
+          </p:cNvPr>
+          <p:cNvCxnSpPr>
+            <a:cxnSpLocks/>
+          </p:cNvCxnSpPr>
+          <p:nvPr/>
+        </p:nvCxnSpPr>
+        <p:spPr>
+          <a:xfrm rot="10800000">
+            <a:off x="643704" y="4387391"/>
+            <a:ext cx="2951752" cy="486450"/>
+          </a:xfrm>
+          <a:prstGeom prst="curvedConnector3">
+            <a:avLst>
+              <a:gd name="adj1" fmla="val 112257"/>
+            </a:avLst>
+          </a:prstGeom>
+          <a:ln>
+            <a:tailEnd type="triangle"/>
+          </a:ln>
+        </p:spPr>
+        <p:style>
+          <a:lnRef idx="1">
+            <a:schemeClr val="dk1"/>
+          </a:lnRef>
+          <a:fillRef idx="0">
+            <a:schemeClr val="dk1"/>
+          </a:fillRef>
+          <a:effectRef idx="0">
+            <a:schemeClr val="dk1"/>
+          </a:effectRef>
+          <a:fontRef idx="minor">
+            <a:schemeClr val="tx1"/>
+          </a:fontRef>
+        </p:style>
+      </p:cxnSp>
+    </p:spTree>
+    <p:extLst>
+      <p:ext uri="{BB962C8B-B14F-4D97-AF65-F5344CB8AC3E}">
+        <p14:creationId xmlns:p14="http://schemas.microsoft.com/office/powerpoint/2010/main" val="3127330551"/>
+      </p:ext>
+    </p:extLst>
+  </p:cSld>
+  <p:clrMapOvr>
+    <a:masterClrMapping/>
+  </p:clrMapOvr>
+</p:sld>
+</file>
+
+<file path=ppt/slides/slide23.xml><?xml version="1.0" encoding="utf-8"?>
+<p:sld xmlns:a="http://schemas.openxmlformats.org/drawingml/2006/main" xmlns:r="http://schemas.openxmlformats.org/officeDocument/2006/relationships" xmlns:p="http://schemas.openxmlformats.org/presentationml/2006/main">
+  <p:cSld>
+    <p:spTree>
+      <p:nvGrpSpPr>
+        <p:cNvPr id="1" name=""/>
+        <p:cNvGrpSpPr/>
+        <p:nvPr/>
+      </p:nvGrpSpPr>
+      <p:grpSpPr>
+        <a:xfrm>
+          <a:off x="0" y="0"/>
+          <a:ext cx="0" cy="0"/>
+          <a:chOff x="0" y="0"/>
+          <a:chExt cx="0" cy="0"/>
+        </a:xfrm>
+      </p:grpSpPr>
+      <p:sp>
+        <p:nvSpPr>
+          <p:cNvPr id="2" name="Tytuł 1">
+            <a:extLst>
+              <a:ext uri="{FF2B5EF4-FFF2-40B4-BE49-F238E27FC236}">
+                <a16:creationId xmlns:a16="http://schemas.microsoft.com/office/drawing/2014/main" id="{FDC47801-9FB8-45CC-8FA2-483A0B5FA0D4}"/>
+              </a:ext>
+            </a:extLst>
+          </p:cNvPr>
+          <p:cNvSpPr>
+            <a:spLocks noGrp="1"/>
+          </p:cNvSpPr>
+          <p:nvPr>
+            <p:ph type="title"/>
+          </p:nvPr>
+        </p:nvSpPr>
+        <p:spPr>
+          <a:xfrm>
+            <a:off x="838200" y="365125"/>
+            <a:ext cx="10515600" cy="1081120"/>
+          </a:xfrm>
+        </p:spPr>
+        <p:txBody>
+          <a:bodyPr>
+            <a:normAutofit/>
+          </a:bodyPr>
+          <a:lstStyle/>
+          <a:p>
+            <a:r>
+              <a:rPr lang="pl-PL" dirty="0" err="1"/>
+              <a:t>ETLs</a:t>
+            </a:r>
+            <a:r>
+              <a:rPr lang="pl-PL" dirty="0"/>
+              <a:t> Utilities</a:t>
+            </a:r>
+            <a:br>
+              <a:rPr lang="pl-PL" dirty="0"/>
+            </a:br>
+            <a:r>
+              <a:rPr lang="pl-PL" sz="2800" dirty="0" err="1"/>
+              <a:t>Recursive</a:t>
+            </a:r>
+            <a:r>
+              <a:rPr lang="pl-PL" sz="2800" dirty="0"/>
+              <a:t> SQL</a:t>
+            </a:r>
+            <a:endParaRPr lang="en-US" dirty="0"/>
+          </a:p>
+        </p:txBody>
+      </p:sp>
+      <p:sp>
+        <p:nvSpPr>
+          <p:cNvPr id="5" name="pole tekstowe 4">
+            <a:extLst>
+              <a:ext uri="{FF2B5EF4-FFF2-40B4-BE49-F238E27FC236}">
+                <a16:creationId xmlns:a16="http://schemas.microsoft.com/office/drawing/2014/main" id="{3D87192D-FCD5-40D9-9EB4-DBA7C3F2DEFD}"/>
+              </a:ext>
+            </a:extLst>
+          </p:cNvPr>
+          <p:cNvSpPr txBox="1"/>
+          <p:nvPr/>
+        </p:nvSpPr>
+        <p:spPr>
+          <a:xfrm>
+            <a:off x="838200" y="1816021"/>
+            <a:ext cx="10661277" cy="3693319"/>
+          </a:xfrm>
+          <a:prstGeom prst="rect">
+            <a:avLst/>
+          </a:prstGeom>
+          <a:noFill/>
+        </p:spPr>
+        <p:txBody>
+          <a:bodyPr wrap="square" rtlCol="0">
+            <a:spAutoFit/>
+          </a:bodyPr>
+          <a:lstStyle/>
+          <a:p>
+            <a:r>
+              <a:rPr lang="pl-PL" dirty="0"/>
+              <a:t>CREATE TABLE </a:t>
+            </a:r>
+            <a:r>
+              <a:rPr lang="pl-PL" dirty="0" err="1"/>
+              <a:t>Graph</a:t>
+            </a:r>
+            <a:r>
+              <a:rPr lang="pl-PL" dirty="0"/>
+              <a:t>(</a:t>
+            </a:r>
+          </a:p>
+          <a:p>
+            <a:pPr lvl="1"/>
+            <a:r>
+              <a:rPr lang="pl-PL" dirty="0"/>
+              <a:t>Id INT PRIMARY KEY,</a:t>
+            </a:r>
+          </a:p>
+          <a:p>
+            <a:pPr lvl="1"/>
+            <a:r>
+              <a:rPr lang="en-US" dirty="0" err="1"/>
+              <a:t>BossId</a:t>
+            </a:r>
+            <a:r>
               <a:rPr lang="en-US" dirty="0"/>
-              <a:t>That’s all for now</a:t>
-            </a:r>
+              <a:t> INT NULL REFERENCES Graph(Id),</a:t>
+            </a:r>
+          </a:p>
+          <a:p>
+            <a:pPr lvl="1"/>
+            <a:r>
+              <a:rPr lang="pl-PL" dirty="0" err="1"/>
+              <a:t>MyName</a:t>
+            </a:r>
+            <a:r>
+              <a:rPr lang="pl-PL" dirty="0"/>
+              <a:t> VARCHAR(100)</a:t>
+            </a:r>
+          </a:p>
+          <a:p>
+            <a:r>
+              <a:rPr lang="pl-PL" dirty="0"/>
+              <a:t>):</a:t>
+            </a:r>
+          </a:p>
+          <a:p>
+            <a:endParaRPr lang="pl-PL" dirty="0"/>
+          </a:p>
+          <a:p>
+            <a:r>
+              <a:rPr lang="en-US" dirty="0"/>
+              <a:t>INSERT INTO Graph VALUES(1, NULL, '</a:t>
+            </a:r>
+            <a:r>
+              <a:rPr lang="en-US" dirty="0" err="1"/>
+              <a:t>Mr</a:t>
+            </a:r>
+            <a:r>
+              <a:rPr lang="en-US" dirty="0"/>
+              <a:t> </a:t>
+            </a:r>
+            <a:r>
+              <a:rPr lang="en-US" dirty="0" err="1"/>
+              <a:t>Rektor</a:t>
+            </a:r>
+            <a:r>
+              <a:rPr lang="en-US" dirty="0"/>
+              <a:t>');</a:t>
+            </a:r>
+          </a:p>
+          <a:p>
+            <a:r>
+              <a:rPr lang="en-US" dirty="0"/>
+              <a:t>INSERT INTO Graph VALUES(2, 1, '</a:t>
+            </a:r>
+            <a:r>
+              <a:rPr lang="en-US" dirty="0" err="1"/>
+              <a:t>Mr</a:t>
+            </a:r>
+            <a:r>
+              <a:rPr lang="en-US" dirty="0"/>
+              <a:t> </a:t>
+            </a:r>
+            <a:r>
+              <a:rPr lang="en-US" dirty="0" err="1"/>
+              <a:t>Kierownik</a:t>
+            </a:r>
+            <a:r>
+              <a:rPr lang="en-US" dirty="0"/>
+              <a:t> KIA');</a:t>
+            </a:r>
+          </a:p>
+          <a:p>
+            <a:r>
+              <a:rPr lang="en-US" dirty="0"/>
+              <a:t>INSERT INTO Graph VALUES(4, 2, 'Student 1');</a:t>
+            </a:r>
+          </a:p>
+          <a:p>
+            <a:r>
+              <a:rPr lang="en-US" dirty="0"/>
+              <a:t>INSERT INTO Graph VALUES(5, 2, 'Student 2');</a:t>
+            </a:r>
+          </a:p>
+          <a:p>
+            <a:r>
+              <a:rPr lang="en-US" dirty="0"/>
+              <a:t>INSERT INTO Graph VALUES(3, 1, '</a:t>
+            </a:r>
+            <a:r>
+              <a:rPr lang="en-US" dirty="0" err="1"/>
+              <a:t>Mr</a:t>
+            </a:r>
+            <a:r>
+              <a:rPr lang="en-US" dirty="0"/>
+              <a:t> </a:t>
+            </a:r>
+            <a:r>
+              <a:rPr lang="en-US" dirty="0" err="1"/>
+              <a:t>Kierownik</a:t>
+            </a:r>
+            <a:r>
+              <a:rPr lang="en-US" dirty="0"/>
+              <a:t> </a:t>
+            </a:r>
+            <a:r>
+              <a:rPr lang="en-US" dirty="0" err="1"/>
+              <a:t>Zarz</a:t>
+            </a:r>
+            <a:r>
+              <a:rPr lang="en-US" dirty="0"/>
+              <a:t>');</a:t>
+            </a:r>
+          </a:p>
+          <a:p>
+            <a:r>
+              <a:rPr lang="en-US" dirty="0"/>
+              <a:t>INSERT INTO Graph VALUES(6, 3, '</a:t>
+            </a:r>
+            <a:r>
+              <a:rPr lang="en-US" dirty="0" err="1"/>
+              <a:t>Prowadzący</a:t>
+            </a:r>
+            <a:r>
+              <a:rPr lang="en-US" dirty="0"/>
+              <a:t> 1');</a:t>
+            </a:r>
+          </a:p>
+          <a:p>
+            <a:r>
+              <a:rPr lang="en-US" dirty="0"/>
+              <a:t>INSERT INTO Graph VALUES(7, 6, 'Student 3');</a:t>
+            </a:r>
+            <a:endParaRPr lang="pl-PL" dirty="0"/>
           </a:p>
         </p:txBody>
       </p:sp>
     </p:spTree>
     <p:extLst>
       <p:ext uri="{BB962C8B-B14F-4D97-AF65-F5344CB8AC3E}">
-        <p14:creationId xmlns:p14="http://schemas.microsoft.com/office/powerpoint/2010/main" val="626047446"/>
+        <p14:creationId xmlns:p14="http://schemas.microsoft.com/office/powerpoint/2010/main" val="1364086797"/>
+      </p:ext>
+    </p:extLst>
+  </p:cSld>
+  <p:clrMapOvr>
+    <a:masterClrMapping/>
+  </p:clrMapOvr>
+</p:sld>
+</file>
+
+<file path=ppt/slides/slide24.xml><?xml version="1.0" encoding="utf-8"?>
+<p:sld xmlns:a="http://schemas.openxmlformats.org/drawingml/2006/main" xmlns:r="http://schemas.openxmlformats.org/officeDocument/2006/relationships" xmlns:p="http://schemas.openxmlformats.org/presentationml/2006/main">
+  <p:cSld>
+    <p:spTree>
+      <p:nvGrpSpPr>
+        <p:cNvPr id="1" name=""/>
+        <p:cNvGrpSpPr/>
+        <p:nvPr/>
+      </p:nvGrpSpPr>
+      <p:grpSpPr>
+        <a:xfrm>
+          <a:off x="0" y="0"/>
+          <a:ext cx="0" cy="0"/>
+          <a:chOff x="0" y="0"/>
+          <a:chExt cx="0" cy="0"/>
+        </a:xfrm>
+      </p:grpSpPr>
+      <p:sp>
+        <p:nvSpPr>
+          <p:cNvPr id="2" name="Tytuł 1">
+            <a:extLst>
+              <a:ext uri="{FF2B5EF4-FFF2-40B4-BE49-F238E27FC236}">
+                <a16:creationId xmlns:a16="http://schemas.microsoft.com/office/drawing/2014/main" id="{FDC47801-9FB8-45CC-8FA2-483A0B5FA0D4}"/>
+              </a:ext>
+            </a:extLst>
+          </p:cNvPr>
+          <p:cNvSpPr>
+            <a:spLocks noGrp="1"/>
+          </p:cNvSpPr>
+          <p:nvPr>
+            <p:ph type="title"/>
+          </p:nvPr>
+        </p:nvSpPr>
+        <p:spPr>
+          <a:xfrm>
+            <a:off x="838200" y="365125"/>
+            <a:ext cx="10515600" cy="1081120"/>
+          </a:xfrm>
+        </p:spPr>
+        <p:txBody>
+          <a:bodyPr>
+            <a:normAutofit/>
+          </a:bodyPr>
+          <a:lstStyle/>
+          <a:p>
+            <a:r>
+              <a:rPr lang="pl-PL" dirty="0" err="1"/>
+              <a:t>ETLs</a:t>
+            </a:r>
+            <a:r>
+              <a:rPr lang="pl-PL" dirty="0"/>
+              <a:t> Utilities</a:t>
+            </a:r>
+            <a:br>
+              <a:rPr lang="pl-PL" dirty="0"/>
+            </a:br>
+            <a:r>
+              <a:rPr lang="pl-PL" sz="2800" dirty="0" err="1"/>
+              <a:t>Recursive</a:t>
+            </a:r>
+            <a:r>
+              <a:rPr lang="pl-PL" sz="2800" dirty="0"/>
+              <a:t> SQL</a:t>
+            </a:r>
+            <a:endParaRPr lang="en-US" dirty="0"/>
+          </a:p>
+        </p:txBody>
+      </p:sp>
+      <p:sp>
+        <p:nvSpPr>
+          <p:cNvPr id="5" name="pole tekstowe 4">
+            <a:extLst>
+              <a:ext uri="{FF2B5EF4-FFF2-40B4-BE49-F238E27FC236}">
+                <a16:creationId xmlns:a16="http://schemas.microsoft.com/office/drawing/2014/main" id="{3D87192D-FCD5-40D9-9EB4-DBA7C3F2DEFD}"/>
+              </a:ext>
+            </a:extLst>
+          </p:cNvPr>
+          <p:cNvSpPr txBox="1"/>
+          <p:nvPr/>
+        </p:nvSpPr>
+        <p:spPr>
+          <a:xfrm>
+            <a:off x="838200" y="1816021"/>
+            <a:ext cx="10661277" cy="2862322"/>
+          </a:xfrm>
+          <a:prstGeom prst="rect">
+            <a:avLst/>
+          </a:prstGeom>
+          <a:noFill/>
+        </p:spPr>
+        <p:txBody>
+          <a:bodyPr wrap="square" rtlCol="0">
+            <a:spAutoFit/>
+          </a:bodyPr>
+          <a:lstStyle/>
+          <a:p>
+            <a:r>
+              <a:rPr lang="pl-PL" dirty="0"/>
+              <a:t>SELECT </a:t>
+            </a:r>
+          </a:p>
+          <a:p>
+            <a:pPr lvl="1"/>
+            <a:r>
+              <a:rPr lang="pl-PL" dirty="0"/>
+              <a:t>g1.MyName AS 'Me',</a:t>
+            </a:r>
+          </a:p>
+          <a:p>
+            <a:pPr lvl="1"/>
+            <a:r>
+              <a:rPr lang="en-US" dirty="0"/>
+              <a:t>g2.MyName AS 'My Boss',</a:t>
+            </a:r>
+          </a:p>
+          <a:p>
+            <a:pPr lvl="1"/>
+            <a:r>
+              <a:rPr lang="en-US" dirty="0"/>
+              <a:t>g3.MyNAme AS 'Boss of My Boss'</a:t>
+            </a:r>
+          </a:p>
+          <a:p>
+            <a:r>
+              <a:rPr lang="pl-PL" dirty="0"/>
+              <a:t>FROM </a:t>
+            </a:r>
+          </a:p>
+          <a:p>
+            <a:pPr lvl="1"/>
+            <a:r>
+              <a:rPr lang="pl-PL" dirty="0" err="1"/>
+              <a:t>Graph</a:t>
+            </a:r>
+            <a:r>
+              <a:rPr lang="pl-PL" dirty="0"/>
+              <a:t> g1</a:t>
+            </a:r>
+          </a:p>
+          <a:p>
+            <a:pPr lvl="1"/>
+            <a:r>
+              <a:rPr lang="en-US" dirty="0"/>
+              <a:t>INNER JOIN Graph g2 ON g1.BossId = g2.Id </a:t>
+            </a:r>
+          </a:p>
+          <a:p>
+            <a:pPr lvl="1"/>
+            <a:r>
+              <a:rPr lang="en-US" dirty="0"/>
+              <a:t>INNER JOIN Graph g3 ON g2.BossId = g3.Id </a:t>
+            </a:r>
+          </a:p>
+          <a:p>
+            <a:r>
+              <a:rPr lang="pl-PL" dirty="0"/>
+              <a:t>WHERE </a:t>
+            </a:r>
+          </a:p>
+          <a:p>
+            <a:pPr lvl="1"/>
+            <a:r>
+              <a:rPr lang="pl-PL" dirty="0"/>
+              <a:t>g1.MyName = 'Student 3'</a:t>
+            </a:r>
+          </a:p>
+        </p:txBody>
+      </p:sp>
+    </p:spTree>
+    <p:extLst>
+      <p:ext uri="{BB962C8B-B14F-4D97-AF65-F5344CB8AC3E}">
+        <p14:creationId xmlns:p14="http://schemas.microsoft.com/office/powerpoint/2010/main" val="1368156657"/>
+      </p:ext>
+    </p:extLst>
+  </p:cSld>
+  <p:clrMapOvr>
+    <a:masterClrMapping/>
+  </p:clrMapOvr>
+</p:sld>
+</file>
+
+<file path=ppt/slides/slide25.xml><?xml version="1.0" encoding="utf-8"?>
+<p:sld xmlns:a="http://schemas.openxmlformats.org/drawingml/2006/main" xmlns:r="http://schemas.openxmlformats.org/officeDocument/2006/relationships" xmlns:p="http://schemas.openxmlformats.org/presentationml/2006/main">
+  <p:cSld>
+    <p:spTree>
+      <p:nvGrpSpPr>
+        <p:cNvPr id="1" name=""/>
+        <p:cNvGrpSpPr/>
+        <p:nvPr/>
+      </p:nvGrpSpPr>
+      <p:grpSpPr>
+        <a:xfrm>
+          <a:off x="0" y="0"/>
+          <a:ext cx="0" cy="0"/>
+          <a:chOff x="0" y="0"/>
+          <a:chExt cx="0" cy="0"/>
+        </a:xfrm>
+      </p:grpSpPr>
+      <p:sp>
+        <p:nvSpPr>
+          <p:cNvPr id="2" name="Tytuł 1">
+            <a:extLst>
+              <a:ext uri="{FF2B5EF4-FFF2-40B4-BE49-F238E27FC236}">
+                <a16:creationId xmlns:a16="http://schemas.microsoft.com/office/drawing/2014/main" id="{FDC47801-9FB8-45CC-8FA2-483A0B5FA0D4}"/>
+              </a:ext>
+            </a:extLst>
+          </p:cNvPr>
+          <p:cNvSpPr>
+            <a:spLocks noGrp="1"/>
+          </p:cNvSpPr>
+          <p:nvPr>
+            <p:ph type="title"/>
+          </p:nvPr>
+        </p:nvSpPr>
+        <p:spPr>
+          <a:xfrm>
+            <a:off x="838200" y="365125"/>
+            <a:ext cx="10515600" cy="1081120"/>
+          </a:xfrm>
+        </p:spPr>
+        <p:txBody>
+          <a:bodyPr>
+            <a:normAutofit/>
+          </a:bodyPr>
+          <a:lstStyle/>
+          <a:p>
+            <a:r>
+              <a:rPr lang="pl-PL" dirty="0" err="1"/>
+              <a:t>ETLs</a:t>
+            </a:r>
+            <a:r>
+              <a:rPr lang="pl-PL" dirty="0"/>
+              <a:t> Utilities</a:t>
+            </a:r>
+            <a:br>
+              <a:rPr lang="pl-PL" dirty="0"/>
+            </a:br>
+            <a:r>
+              <a:rPr lang="pl-PL" sz="2800" dirty="0" err="1"/>
+              <a:t>Recursive</a:t>
+            </a:r>
+            <a:r>
+              <a:rPr lang="pl-PL" sz="2800" dirty="0"/>
+              <a:t> SQL</a:t>
+            </a:r>
+            <a:endParaRPr lang="en-US" dirty="0"/>
+          </a:p>
+        </p:txBody>
+      </p:sp>
+      <p:sp>
+        <p:nvSpPr>
+          <p:cNvPr id="5" name="pole tekstowe 4">
+            <a:extLst>
+              <a:ext uri="{FF2B5EF4-FFF2-40B4-BE49-F238E27FC236}">
+                <a16:creationId xmlns:a16="http://schemas.microsoft.com/office/drawing/2014/main" id="{3D87192D-FCD5-40D9-9EB4-DBA7C3F2DEFD}"/>
+              </a:ext>
+            </a:extLst>
+          </p:cNvPr>
+          <p:cNvSpPr txBox="1"/>
+          <p:nvPr/>
+        </p:nvSpPr>
+        <p:spPr>
+          <a:xfrm>
+            <a:off x="838200" y="1816021"/>
+            <a:ext cx="10661277" cy="5078313"/>
+          </a:xfrm>
+          <a:prstGeom prst="rect">
+            <a:avLst/>
+          </a:prstGeom>
+          <a:noFill/>
+        </p:spPr>
+        <p:txBody>
+          <a:bodyPr wrap="square" rtlCol="0">
+            <a:spAutoFit/>
+          </a:bodyPr>
+          <a:lstStyle/>
+          <a:p>
+            <a:r>
+              <a:rPr lang="pl-PL" dirty="0"/>
+              <a:t>SELECT </a:t>
+            </a:r>
+          </a:p>
+          <a:p>
+            <a:pPr lvl="1"/>
+            <a:r>
+              <a:rPr lang="pl-PL" dirty="0"/>
+              <a:t>g1.MyName AS 'Me',</a:t>
+            </a:r>
+          </a:p>
+          <a:p>
+            <a:pPr lvl="1"/>
+            <a:r>
+              <a:rPr lang="en-US" dirty="0"/>
+              <a:t>g2.MyName AS 'My Boss'</a:t>
+            </a:r>
+          </a:p>
+          <a:p>
+            <a:r>
+              <a:rPr lang="pl-PL" dirty="0"/>
+              <a:t>FROM </a:t>
+            </a:r>
+          </a:p>
+          <a:p>
+            <a:pPr lvl="1"/>
+            <a:r>
+              <a:rPr lang="pl-PL" dirty="0" err="1"/>
+              <a:t>Graph</a:t>
+            </a:r>
+            <a:r>
+              <a:rPr lang="pl-PL" dirty="0"/>
+              <a:t> g1</a:t>
+            </a:r>
+          </a:p>
+          <a:p>
+            <a:pPr lvl="1"/>
+            <a:r>
+              <a:rPr lang="en-US" dirty="0"/>
+              <a:t>INNER JOIN Graph g2 ON g1.BossId = g2.Id </a:t>
+            </a:r>
+          </a:p>
+          <a:p>
+            <a:r>
+              <a:rPr lang="pl-PL" dirty="0"/>
+              <a:t>WHERE </a:t>
+            </a:r>
+          </a:p>
+          <a:p>
+            <a:pPr lvl="1"/>
+            <a:r>
+              <a:rPr lang="pl-PL" dirty="0"/>
+              <a:t>g1.MyName = 'Student 3'</a:t>
+            </a:r>
+          </a:p>
+          <a:p>
+            <a:r>
+              <a:rPr lang="pl-PL" dirty="0"/>
+              <a:t>UNION ALL</a:t>
+            </a:r>
+          </a:p>
+          <a:p>
+            <a:r>
+              <a:rPr lang="pl-PL" dirty="0"/>
+              <a:t>SELECT </a:t>
+            </a:r>
+          </a:p>
+          <a:p>
+            <a:pPr lvl="1"/>
+            <a:r>
+              <a:rPr lang="pl-PL" dirty="0"/>
+              <a:t>g1.MyName AS 'Me',</a:t>
+            </a:r>
+          </a:p>
+          <a:p>
+            <a:pPr lvl="1"/>
+            <a:r>
+              <a:rPr lang="en-US" dirty="0"/>
+              <a:t>g3.MyName AS 'My Boss'</a:t>
+            </a:r>
+          </a:p>
+          <a:p>
+            <a:r>
+              <a:rPr lang="pl-PL" dirty="0"/>
+              <a:t>FROM </a:t>
+            </a:r>
+          </a:p>
+          <a:p>
+            <a:pPr lvl="1"/>
+            <a:r>
+              <a:rPr lang="pl-PL" dirty="0" err="1"/>
+              <a:t>Graph</a:t>
+            </a:r>
+            <a:r>
+              <a:rPr lang="pl-PL" dirty="0"/>
+              <a:t> g1</a:t>
+            </a:r>
+          </a:p>
+          <a:p>
+            <a:pPr lvl="1"/>
+            <a:r>
+              <a:rPr lang="en-US" dirty="0"/>
+              <a:t>INNER JOIN Graph g2 ON g1.BossId = g2.Id </a:t>
+            </a:r>
+          </a:p>
+          <a:p>
+            <a:pPr lvl="1"/>
+            <a:r>
+              <a:rPr lang="en-US" dirty="0"/>
+              <a:t>INNER JOIN Graph g3 ON g2.BossId = g3.Id </a:t>
+            </a:r>
+          </a:p>
+          <a:p>
+            <a:r>
+              <a:rPr lang="pl-PL" dirty="0"/>
+              <a:t>WHERE </a:t>
+            </a:r>
+          </a:p>
+          <a:p>
+            <a:pPr lvl="1"/>
+            <a:r>
+              <a:rPr lang="pl-PL" dirty="0"/>
+              <a:t>g1.MyName = 'Student 3'</a:t>
+            </a:r>
+          </a:p>
+        </p:txBody>
+      </p:sp>
+    </p:spTree>
+    <p:extLst>
+      <p:ext uri="{BB962C8B-B14F-4D97-AF65-F5344CB8AC3E}">
+        <p14:creationId xmlns:p14="http://schemas.microsoft.com/office/powerpoint/2010/main" val="326708749"/>
+      </p:ext>
+    </p:extLst>
+  </p:cSld>
+  <p:clrMapOvr>
+    <a:masterClrMapping/>
+  </p:clrMapOvr>
+</p:sld>
+</file>
+
+<file path=ppt/slides/slide26.xml><?xml version="1.0" encoding="utf-8"?>
+<p:sld xmlns:a="http://schemas.openxmlformats.org/drawingml/2006/main" xmlns:r="http://schemas.openxmlformats.org/officeDocument/2006/relationships" xmlns:p="http://schemas.openxmlformats.org/presentationml/2006/main">
+  <p:cSld>
+    <p:spTree>
+      <p:nvGrpSpPr>
+        <p:cNvPr id="1" name=""/>
+        <p:cNvGrpSpPr/>
+        <p:nvPr/>
+      </p:nvGrpSpPr>
+      <p:grpSpPr>
+        <a:xfrm>
+          <a:off x="0" y="0"/>
+          <a:ext cx="0" cy="0"/>
+          <a:chOff x="0" y="0"/>
+          <a:chExt cx="0" cy="0"/>
+        </a:xfrm>
+      </p:grpSpPr>
+      <p:sp>
+        <p:nvSpPr>
+          <p:cNvPr id="2" name="Tytuł 1">
+            <a:extLst>
+              <a:ext uri="{FF2B5EF4-FFF2-40B4-BE49-F238E27FC236}">
+                <a16:creationId xmlns:a16="http://schemas.microsoft.com/office/drawing/2014/main" id="{FDC47801-9FB8-45CC-8FA2-483A0B5FA0D4}"/>
+              </a:ext>
+            </a:extLst>
+          </p:cNvPr>
+          <p:cNvSpPr>
+            <a:spLocks noGrp="1"/>
+          </p:cNvSpPr>
+          <p:nvPr>
+            <p:ph type="title"/>
+          </p:nvPr>
+        </p:nvSpPr>
+        <p:spPr>
+          <a:xfrm>
+            <a:off x="838200" y="365125"/>
+            <a:ext cx="10515600" cy="1081120"/>
+          </a:xfrm>
+        </p:spPr>
+        <p:txBody>
+          <a:bodyPr>
+            <a:normAutofit/>
+          </a:bodyPr>
+          <a:lstStyle/>
+          <a:p>
+            <a:r>
+              <a:rPr lang="pl-PL" dirty="0" err="1"/>
+              <a:t>ETLs</a:t>
+            </a:r>
+            <a:r>
+              <a:rPr lang="pl-PL" dirty="0"/>
+              <a:t> Utilities</a:t>
+            </a:r>
+            <a:br>
+              <a:rPr lang="pl-PL" dirty="0"/>
+            </a:br>
+            <a:r>
+              <a:rPr lang="pl-PL" sz="2800" dirty="0" err="1"/>
+              <a:t>Recursive</a:t>
+            </a:r>
+            <a:r>
+              <a:rPr lang="pl-PL" sz="2800" dirty="0"/>
+              <a:t> SQL</a:t>
+            </a:r>
+            <a:endParaRPr lang="en-US" dirty="0"/>
+          </a:p>
+        </p:txBody>
+      </p:sp>
+      <p:sp>
+        <p:nvSpPr>
+          <p:cNvPr id="5" name="pole tekstowe 4">
+            <a:extLst>
+              <a:ext uri="{FF2B5EF4-FFF2-40B4-BE49-F238E27FC236}">
+                <a16:creationId xmlns:a16="http://schemas.microsoft.com/office/drawing/2014/main" id="{3D87192D-FCD5-40D9-9EB4-DBA7C3F2DEFD}"/>
+              </a:ext>
+            </a:extLst>
+          </p:cNvPr>
+          <p:cNvSpPr txBox="1"/>
+          <p:nvPr/>
+        </p:nvSpPr>
+        <p:spPr>
+          <a:xfrm>
+            <a:off x="838200" y="1816021"/>
+            <a:ext cx="10661277" cy="4801314"/>
+          </a:xfrm>
+          <a:prstGeom prst="rect">
+            <a:avLst/>
+          </a:prstGeom>
+          <a:noFill/>
+        </p:spPr>
+        <p:txBody>
+          <a:bodyPr wrap="square" rtlCol="0">
+            <a:spAutoFit/>
+          </a:bodyPr>
+          <a:lstStyle/>
+          <a:p>
+            <a:r>
+              <a:rPr lang="en-US" dirty="0"/>
+              <a:t>WITH Temp(Me, </a:t>
+            </a:r>
+            <a:r>
+              <a:rPr lang="en-US" dirty="0" err="1"/>
+              <a:t>MyBoss</a:t>
+            </a:r>
+            <a:r>
+              <a:rPr lang="en-US" dirty="0"/>
+              <a:t>, </a:t>
+            </a:r>
+            <a:r>
+              <a:rPr lang="en-US" dirty="0" err="1"/>
+              <a:t>BossBossId</a:t>
+            </a:r>
+            <a:r>
+              <a:rPr lang="en-US" dirty="0"/>
+              <a:t>) AS(</a:t>
+            </a:r>
+          </a:p>
+          <a:p>
+            <a:pPr lvl="1"/>
+            <a:r>
+              <a:rPr lang="pl-PL" dirty="0"/>
+              <a:t>SELECT </a:t>
+            </a:r>
+          </a:p>
+          <a:p>
+            <a:pPr lvl="2"/>
+            <a:r>
+              <a:rPr lang="pl-PL" dirty="0"/>
+              <a:t>g1.MyName,</a:t>
+            </a:r>
+          </a:p>
+          <a:p>
+            <a:pPr lvl="2"/>
+            <a:r>
+              <a:rPr lang="pl-PL" dirty="0"/>
+              <a:t>g2.MyName,</a:t>
+            </a:r>
+          </a:p>
+          <a:p>
+            <a:pPr lvl="2"/>
+            <a:r>
+              <a:rPr lang="pl-PL" dirty="0"/>
+              <a:t>g2.BossId</a:t>
+            </a:r>
+          </a:p>
+          <a:p>
+            <a:pPr lvl="1"/>
+            <a:r>
+              <a:rPr lang="pl-PL" dirty="0"/>
+              <a:t>FROM </a:t>
+            </a:r>
+            <a:r>
+              <a:rPr lang="pl-PL" dirty="0" err="1"/>
+              <a:t>Graph</a:t>
+            </a:r>
+            <a:r>
+              <a:rPr lang="pl-PL" dirty="0"/>
+              <a:t> g1 </a:t>
+            </a:r>
+            <a:r>
+              <a:rPr lang="en-US" dirty="0"/>
+              <a:t>INNER JOIN Graph g2 ON g1.BossId = g2.Id </a:t>
+            </a:r>
+          </a:p>
+          <a:p>
+            <a:pPr lvl="1"/>
+            <a:r>
+              <a:rPr lang="pl-PL" dirty="0"/>
+              <a:t>WHERE g1.MyName = ?</a:t>
+            </a:r>
+          </a:p>
+          <a:p>
+            <a:pPr lvl="1"/>
+            <a:r>
+              <a:rPr lang="pl-PL" dirty="0"/>
+              <a:t>UNION ALL</a:t>
+            </a:r>
+          </a:p>
+          <a:p>
+            <a:pPr lvl="1"/>
+            <a:r>
+              <a:rPr lang="pl-PL" b="1" dirty="0"/>
+              <a:t>SELECT </a:t>
+            </a:r>
+          </a:p>
+          <a:p>
+            <a:pPr lvl="2"/>
+            <a:r>
+              <a:rPr lang="pl-PL" b="1" dirty="0"/>
+              <a:t>g1.Me,</a:t>
+            </a:r>
+          </a:p>
+          <a:p>
+            <a:pPr lvl="2"/>
+            <a:r>
+              <a:rPr lang="pl-PL" b="1" dirty="0"/>
+              <a:t>g2.MyName,</a:t>
+            </a:r>
+          </a:p>
+          <a:p>
+            <a:pPr lvl="2"/>
+            <a:r>
+              <a:rPr lang="pl-PL" b="1" dirty="0"/>
+              <a:t>g2.BossId</a:t>
+            </a:r>
+          </a:p>
+          <a:p>
+            <a:pPr lvl="1"/>
+            <a:r>
+              <a:rPr lang="pl-PL" b="1" dirty="0"/>
+              <a:t>FROM </a:t>
+            </a:r>
+          </a:p>
+          <a:p>
+            <a:pPr lvl="2"/>
+            <a:r>
+              <a:rPr lang="pl-PL" b="1" dirty="0"/>
+              <a:t>Temp g1 </a:t>
+            </a:r>
+          </a:p>
+          <a:p>
+            <a:pPr lvl="2"/>
+            <a:r>
+              <a:rPr lang="en-US" b="1" dirty="0"/>
+              <a:t>INNER JOIN Graph g2 ON g1.BossBossId = g2.Id</a:t>
+            </a:r>
+          </a:p>
+          <a:p>
+            <a:r>
+              <a:rPr lang="pl-PL" dirty="0"/>
+              <a:t>)</a:t>
+            </a:r>
+          </a:p>
+          <a:p>
+            <a:r>
+              <a:rPr lang="pl-PL" dirty="0"/>
+              <a:t>SELECT * FROM Temp;</a:t>
+            </a:r>
+          </a:p>
+        </p:txBody>
+      </p:sp>
+    </p:spTree>
+    <p:extLst>
+      <p:ext uri="{BB962C8B-B14F-4D97-AF65-F5344CB8AC3E}">
+        <p14:creationId xmlns:p14="http://schemas.microsoft.com/office/powerpoint/2010/main" val="877110532"/>
+      </p:ext>
+    </p:extLst>
+  </p:cSld>
+  <p:clrMapOvr>
+    <a:masterClrMapping/>
+  </p:clrMapOvr>
+</p:sld>
+</file>
+
+<file path=ppt/slides/slide27.xml><?xml version="1.0" encoding="utf-8"?>
+<p:sld xmlns:a="http://schemas.openxmlformats.org/drawingml/2006/main" xmlns:r="http://schemas.openxmlformats.org/officeDocument/2006/relationships" xmlns:p="http://schemas.openxmlformats.org/presentationml/2006/main">
+  <p:cSld>
+    <p:spTree>
+      <p:nvGrpSpPr>
+        <p:cNvPr id="1" name=""/>
+        <p:cNvGrpSpPr/>
+        <p:nvPr/>
+      </p:nvGrpSpPr>
+      <p:grpSpPr>
+        <a:xfrm>
+          <a:off x="0" y="0"/>
+          <a:ext cx="0" cy="0"/>
+          <a:chOff x="0" y="0"/>
+          <a:chExt cx="0" cy="0"/>
+        </a:xfrm>
+      </p:grpSpPr>
+      <p:sp>
+        <p:nvSpPr>
+          <p:cNvPr id="2" name="Tytuł 1">
+            <a:extLst>
+              <a:ext uri="{FF2B5EF4-FFF2-40B4-BE49-F238E27FC236}">
+                <a16:creationId xmlns:a16="http://schemas.microsoft.com/office/drawing/2014/main" id="{FDC47801-9FB8-45CC-8FA2-483A0B5FA0D4}"/>
+              </a:ext>
+            </a:extLst>
+          </p:cNvPr>
+          <p:cNvSpPr>
+            <a:spLocks noGrp="1"/>
+          </p:cNvSpPr>
+          <p:nvPr>
+            <p:ph type="title"/>
+          </p:nvPr>
+        </p:nvSpPr>
+        <p:spPr>
+          <a:xfrm>
+            <a:off x="838200" y="365125"/>
+            <a:ext cx="10515600" cy="1081120"/>
+          </a:xfrm>
+        </p:spPr>
+        <p:txBody>
+          <a:bodyPr>
+            <a:normAutofit/>
+          </a:bodyPr>
+          <a:lstStyle/>
+          <a:p>
+            <a:r>
+              <a:rPr lang="pl-PL" dirty="0" err="1"/>
+              <a:t>ETLs</a:t>
+            </a:r>
+            <a:r>
+              <a:rPr lang="pl-PL" dirty="0"/>
+              <a:t> Utilities</a:t>
+            </a:r>
+            <a:br>
+              <a:rPr lang="pl-PL" dirty="0"/>
+            </a:br>
+            <a:r>
+              <a:rPr lang="pl-PL" sz="2800" dirty="0" err="1"/>
+              <a:t>Recursive</a:t>
+            </a:r>
+            <a:r>
+              <a:rPr lang="pl-PL" sz="2800" dirty="0"/>
+              <a:t> SQL</a:t>
+            </a:r>
+            <a:endParaRPr lang="en-US" dirty="0"/>
+          </a:p>
+        </p:txBody>
+      </p:sp>
+      <p:sp>
+        <p:nvSpPr>
+          <p:cNvPr id="5" name="pole tekstowe 4">
+            <a:extLst>
+              <a:ext uri="{FF2B5EF4-FFF2-40B4-BE49-F238E27FC236}">
+                <a16:creationId xmlns:a16="http://schemas.microsoft.com/office/drawing/2014/main" id="{3D87192D-FCD5-40D9-9EB4-DBA7C3F2DEFD}"/>
+              </a:ext>
+            </a:extLst>
+          </p:cNvPr>
+          <p:cNvSpPr txBox="1"/>
+          <p:nvPr/>
+        </p:nvSpPr>
+        <p:spPr>
+          <a:xfrm>
+            <a:off x="838200" y="1816021"/>
+            <a:ext cx="10661277" cy="1754326"/>
+          </a:xfrm>
+          <a:prstGeom prst="rect">
+            <a:avLst/>
+          </a:prstGeom>
+          <a:noFill/>
+        </p:spPr>
+        <p:txBody>
+          <a:bodyPr wrap="square" rtlCol="0">
+            <a:spAutoFit/>
+          </a:bodyPr>
+          <a:lstStyle/>
+          <a:p>
+            <a:r>
+              <a:rPr lang="pl-PL" dirty="0"/>
+              <a:t>WITH R(TEST) AS(</a:t>
+            </a:r>
+          </a:p>
+          <a:p>
+            <a:pPr lvl="1"/>
+            <a:r>
+              <a:rPr lang="pl-PL" dirty="0"/>
+              <a:t>SELECT GETDATE()</a:t>
+            </a:r>
+          </a:p>
+          <a:p>
+            <a:pPr lvl="1"/>
+            <a:r>
+              <a:rPr lang="pl-PL" dirty="0"/>
+              <a:t>UNION ALL</a:t>
+            </a:r>
+          </a:p>
+          <a:p>
+            <a:pPr lvl="1"/>
+            <a:r>
+              <a:rPr lang="en-US" b="1" dirty="0"/>
+              <a:t>SELECT DATEADD(DAY, 1, TEST) FROM R WHERE TEST &lt; DATEADD(DAY, 100, GETDATE())</a:t>
+            </a:r>
+          </a:p>
+          <a:p>
+            <a:r>
+              <a:rPr lang="pl-PL" dirty="0"/>
+              <a:t>)</a:t>
+            </a:r>
+          </a:p>
+          <a:p>
+            <a:r>
+              <a:rPr lang="pl-PL" dirty="0"/>
+              <a:t>SELECT * FROM R</a:t>
+            </a:r>
+          </a:p>
+        </p:txBody>
+      </p:sp>
+    </p:spTree>
+    <p:extLst>
+      <p:ext uri="{BB962C8B-B14F-4D97-AF65-F5344CB8AC3E}">
+        <p14:creationId xmlns:p14="http://schemas.microsoft.com/office/powerpoint/2010/main" val="2888547973"/>
+      </p:ext>
+    </p:extLst>
+  </p:cSld>
+  <p:clrMapOvr>
+    <a:masterClrMapping/>
+  </p:clrMapOvr>
+</p:sld>
+</file>
+
+<file path=ppt/slides/slide28.xml><?xml version="1.0" encoding="utf-8"?>
+<p:sld xmlns:a="http://schemas.openxmlformats.org/drawingml/2006/main" xmlns:r="http://schemas.openxmlformats.org/officeDocument/2006/relationships" xmlns:p="http://schemas.openxmlformats.org/presentationml/2006/main">
+  <p:cSld>
+    <p:spTree>
+      <p:nvGrpSpPr>
+        <p:cNvPr id="1" name=""/>
+        <p:cNvGrpSpPr/>
+        <p:nvPr/>
+      </p:nvGrpSpPr>
+      <p:grpSpPr>
+        <a:xfrm>
+          <a:off x="0" y="0"/>
+          <a:ext cx="0" cy="0"/>
+          <a:chOff x="0" y="0"/>
+          <a:chExt cx="0" cy="0"/>
+        </a:xfrm>
+      </p:grpSpPr>
+      <p:sp>
+        <p:nvSpPr>
+          <p:cNvPr id="2" name="Tytuł 1">
+            <a:extLst>
+              <a:ext uri="{FF2B5EF4-FFF2-40B4-BE49-F238E27FC236}">
+                <a16:creationId xmlns:a16="http://schemas.microsoft.com/office/drawing/2014/main" id="{FDC47801-9FB8-45CC-8FA2-483A0B5FA0D4}"/>
+              </a:ext>
+            </a:extLst>
+          </p:cNvPr>
+          <p:cNvSpPr>
+            <a:spLocks noGrp="1"/>
+          </p:cNvSpPr>
+          <p:nvPr>
+            <p:ph type="title"/>
+          </p:nvPr>
+        </p:nvSpPr>
+        <p:spPr>
+          <a:xfrm>
+            <a:off x="838200" y="365125"/>
+            <a:ext cx="10515600" cy="1081120"/>
+          </a:xfrm>
+        </p:spPr>
+        <p:txBody>
+          <a:bodyPr>
+            <a:normAutofit/>
+          </a:bodyPr>
+          <a:lstStyle/>
+          <a:p>
+            <a:r>
+              <a:rPr lang="pl-PL" dirty="0" err="1"/>
+              <a:t>ETLs</a:t>
+            </a:r>
+            <a:r>
+              <a:rPr lang="pl-PL" dirty="0"/>
+              <a:t> Utilities</a:t>
+            </a:r>
+            <a:br>
+              <a:rPr lang="pl-PL" dirty="0"/>
+            </a:br>
+            <a:r>
+              <a:rPr lang="pl-PL" sz="2800" dirty="0"/>
+              <a:t>OLAP </a:t>
+            </a:r>
+            <a:r>
+              <a:rPr lang="pl-PL" sz="2800" dirty="0" err="1"/>
+              <a:t>Functions</a:t>
+            </a:r>
+            <a:endParaRPr lang="en-US" dirty="0"/>
+          </a:p>
+        </p:txBody>
+      </p:sp>
+      <p:sp>
+        <p:nvSpPr>
+          <p:cNvPr id="5" name="pole tekstowe 4">
+            <a:extLst>
+              <a:ext uri="{FF2B5EF4-FFF2-40B4-BE49-F238E27FC236}">
+                <a16:creationId xmlns:a16="http://schemas.microsoft.com/office/drawing/2014/main" id="{3D87192D-FCD5-40D9-9EB4-DBA7C3F2DEFD}"/>
+              </a:ext>
+            </a:extLst>
+          </p:cNvPr>
+          <p:cNvSpPr txBox="1"/>
+          <p:nvPr/>
+        </p:nvSpPr>
+        <p:spPr>
+          <a:xfrm>
+            <a:off x="838200" y="1816021"/>
+            <a:ext cx="10661277" cy="2308324"/>
+          </a:xfrm>
+          <a:prstGeom prst="rect">
+            <a:avLst/>
+          </a:prstGeom>
+          <a:noFill/>
+        </p:spPr>
+        <p:txBody>
+          <a:bodyPr wrap="square" rtlCol="0">
+            <a:spAutoFit/>
+          </a:bodyPr>
+          <a:lstStyle/>
+          <a:p>
+            <a:r>
+              <a:rPr lang="pl-PL" dirty="0"/>
+              <a:t>ALTER TABLE [</a:t>
+            </a:r>
+            <a:r>
+              <a:rPr lang="pl-PL" dirty="0" err="1"/>
+              <a:t>Purchasing</a:t>
+            </a:r>
+            <a:r>
+              <a:rPr lang="pl-PL" dirty="0"/>
+              <a:t>].[</a:t>
+            </a:r>
+            <a:r>
+              <a:rPr lang="pl-PL" dirty="0" err="1"/>
+              <a:t>PurchaseOrderHeader</a:t>
+            </a:r>
+            <a:r>
+              <a:rPr lang="pl-PL" dirty="0"/>
+              <a:t>]</a:t>
+            </a:r>
+          </a:p>
+          <a:p>
+            <a:r>
+              <a:rPr lang="en-US" dirty="0"/>
+              <a:t>ADD </a:t>
+            </a:r>
+            <a:r>
+              <a:rPr lang="en-US" dirty="0" err="1"/>
+              <a:t>OrderDateYear</a:t>
+            </a:r>
+            <a:r>
+              <a:rPr lang="en-US" dirty="0"/>
+              <a:t> AS YEAR(</a:t>
+            </a:r>
+            <a:r>
+              <a:rPr lang="en-US" dirty="0" err="1"/>
+              <a:t>OrderDate</a:t>
+            </a:r>
+            <a:r>
+              <a:rPr lang="en-US" dirty="0"/>
+              <a:t>) PERSISTED;</a:t>
+            </a:r>
+          </a:p>
+          <a:p>
+            <a:endParaRPr lang="pl-PL" dirty="0"/>
+          </a:p>
+          <a:p>
+            <a:r>
+              <a:rPr lang="pl-PL" dirty="0"/>
+              <a:t>ALTER TABLE [</a:t>
+            </a:r>
+            <a:r>
+              <a:rPr lang="pl-PL" dirty="0" err="1"/>
+              <a:t>Purchasing</a:t>
+            </a:r>
+            <a:r>
+              <a:rPr lang="pl-PL" dirty="0"/>
+              <a:t>].[</a:t>
+            </a:r>
+            <a:r>
+              <a:rPr lang="pl-PL" dirty="0" err="1"/>
+              <a:t>PurchaseOrderHeader</a:t>
+            </a:r>
+            <a:r>
+              <a:rPr lang="pl-PL" dirty="0"/>
+              <a:t>]</a:t>
+            </a:r>
+          </a:p>
+          <a:p>
+            <a:r>
+              <a:rPr lang="en-US" dirty="0"/>
+              <a:t>ADD </a:t>
+            </a:r>
+            <a:r>
+              <a:rPr lang="en-US" dirty="0" err="1"/>
+              <a:t>OrderDateMonth</a:t>
+            </a:r>
+            <a:r>
+              <a:rPr lang="en-US" dirty="0"/>
+              <a:t> AS MONTH(</a:t>
+            </a:r>
+            <a:r>
+              <a:rPr lang="en-US" dirty="0" err="1"/>
+              <a:t>OrderDate</a:t>
+            </a:r>
+            <a:r>
+              <a:rPr lang="en-US" dirty="0"/>
+              <a:t>);</a:t>
+            </a:r>
+          </a:p>
+          <a:p>
+            <a:endParaRPr lang="pl-PL" dirty="0"/>
+          </a:p>
+          <a:p>
+            <a:r>
+              <a:rPr lang="pl-PL" dirty="0"/>
+              <a:t>ALTER TABLE [</a:t>
+            </a:r>
+            <a:r>
+              <a:rPr lang="pl-PL" dirty="0" err="1"/>
+              <a:t>Purchasing</a:t>
+            </a:r>
+            <a:r>
+              <a:rPr lang="pl-PL" dirty="0"/>
+              <a:t>].[</a:t>
+            </a:r>
+            <a:r>
+              <a:rPr lang="pl-PL" dirty="0" err="1"/>
+              <a:t>PurchaseOrderHeader</a:t>
+            </a:r>
+            <a:r>
+              <a:rPr lang="pl-PL" dirty="0"/>
+              <a:t>]</a:t>
+            </a:r>
+          </a:p>
+          <a:p>
+            <a:r>
+              <a:rPr lang="en-US" dirty="0"/>
+              <a:t>ADD </a:t>
+            </a:r>
+            <a:r>
+              <a:rPr lang="en-US" dirty="0" err="1"/>
+              <a:t>OrderDateQuarter</a:t>
+            </a:r>
+            <a:r>
+              <a:rPr lang="en-US" dirty="0"/>
+              <a:t> AS CEILING(</a:t>
+            </a:r>
+            <a:r>
+              <a:rPr lang="pl-PL" dirty="0"/>
+              <a:t>MONTH(</a:t>
+            </a:r>
+            <a:r>
+              <a:rPr lang="pl-PL" dirty="0" err="1"/>
+              <a:t>OrderDate</a:t>
+            </a:r>
+            <a:r>
+              <a:rPr lang="pl-PL" dirty="0"/>
+              <a:t>)</a:t>
+            </a:r>
+            <a:r>
+              <a:rPr lang="en-US" dirty="0"/>
+              <a:t>/3.0);</a:t>
+            </a:r>
+            <a:endParaRPr lang="pl-PL" dirty="0"/>
+          </a:p>
+        </p:txBody>
+      </p:sp>
+    </p:spTree>
+    <p:extLst>
+      <p:ext uri="{BB962C8B-B14F-4D97-AF65-F5344CB8AC3E}">
+        <p14:creationId xmlns:p14="http://schemas.microsoft.com/office/powerpoint/2010/main" val="1152753212"/>
+      </p:ext>
+    </p:extLst>
+  </p:cSld>
+  <p:clrMapOvr>
+    <a:masterClrMapping/>
+  </p:clrMapOvr>
+</p:sld>
+</file>
+
+<file path=ppt/slides/slide29.xml><?xml version="1.0" encoding="utf-8"?>
+<p:sld xmlns:a="http://schemas.openxmlformats.org/drawingml/2006/main" xmlns:r="http://schemas.openxmlformats.org/officeDocument/2006/relationships" xmlns:p="http://schemas.openxmlformats.org/presentationml/2006/main">
+  <p:cSld>
+    <p:spTree>
+      <p:nvGrpSpPr>
+        <p:cNvPr id="1" name=""/>
+        <p:cNvGrpSpPr/>
+        <p:nvPr/>
+      </p:nvGrpSpPr>
+      <p:grpSpPr>
+        <a:xfrm>
+          <a:off x="0" y="0"/>
+          <a:ext cx="0" cy="0"/>
+          <a:chOff x="0" y="0"/>
+          <a:chExt cx="0" cy="0"/>
+        </a:xfrm>
+      </p:grpSpPr>
+      <p:sp>
+        <p:nvSpPr>
+          <p:cNvPr id="2" name="Tytuł 1">
+            <a:extLst>
+              <a:ext uri="{FF2B5EF4-FFF2-40B4-BE49-F238E27FC236}">
+                <a16:creationId xmlns:a16="http://schemas.microsoft.com/office/drawing/2014/main" id="{FDC47801-9FB8-45CC-8FA2-483A0B5FA0D4}"/>
+              </a:ext>
+            </a:extLst>
+          </p:cNvPr>
+          <p:cNvSpPr>
+            <a:spLocks noGrp="1"/>
+          </p:cNvSpPr>
+          <p:nvPr>
+            <p:ph type="title"/>
+          </p:nvPr>
+        </p:nvSpPr>
+        <p:spPr>
+          <a:xfrm>
+            <a:off x="838200" y="365125"/>
+            <a:ext cx="10515600" cy="1081120"/>
+          </a:xfrm>
+        </p:spPr>
+        <p:txBody>
+          <a:bodyPr>
+            <a:normAutofit/>
+          </a:bodyPr>
+          <a:lstStyle/>
+          <a:p>
+            <a:r>
+              <a:rPr lang="pl-PL" dirty="0" err="1"/>
+              <a:t>ETLs</a:t>
+            </a:r>
+            <a:r>
+              <a:rPr lang="pl-PL" dirty="0"/>
+              <a:t> Utilities</a:t>
+            </a:r>
+            <a:br>
+              <a:rPr lang="pl-PL" dirty="0"/>
+            </a:br>
+            <a:r>
+              <a:rPr lang="pl-PL" sz="2800" dirty="0" err="1"/>
+              <a:t>Easier</a:t>
+            </a:r>
+            <a:r>
+              <a:rPr lang="pl-PL" sz="2800" dirty="0"/>
+              <a:t> problem</a:t>
+            </a:r>
+            <a:endParaRPr lang="en-US" dirty="0"/>
+          </a:p>
+        </p:txBody>
+      </p:sp>
+      <p:sp>
+        <p:nvSpPr>
+          <p:cNvPr id="5" name="pole tekstowe 4">
+            <a:extLst>
+              <a:ext uri="{FF2B5EF4-FFF2-40B4-BE49-F238E27FC236}">
+                <a16:creationId xmlns:a16="http://schemas.microsoft.com/office/drawing/2014/main" id="{3D87192D-FCD5-40D9-9EB4-DBA7C3F2DEFD}"/>
+              </a:ext>
+            </a:extLst>
+          </p:cNvPr>
+          <p:cNvSpPr txBox="1"/>
+          <p:nvPr/>
+        </p:nvSpPr>
+        <p:spPr>
+          <a:xfrm>
+            <a:off x="838200" y="1816021"/>
+            <a:ext cx="10661277" cy="3970318"/>
+          </a:xfrm>
+          <a:prstGeom prst="rect">
+            <a:avLst/>
+          </a:prstGeom>
+          <a:noFill/>
+        </p:spPr>
+        <p:txBody>
+          <a:bodyPr wrap="square" rtlCol="0">
+            <a:spAutoFit/>
+          </a:bodyPr>
+          <a:lstStyle/>
+          <a:p>
+            <a:r>
+              <a:rPr lang="pl-PL" dirty="0"/>
+              <a:t>SELECT </a:t>
+            </a:r>
+          </a:p>
+          <a:p>
+            <a:pPr lvl="1"/>
+            <a:r>
+              <a:rPr lang="pl-PL" dirty="0" err="1"/>
+              <a:t>POH.OrderDateYear</a:t>
+            </a:r>
+            <a:r>
+              <a:rPr lang="pl-PL" dirty="0"/>
+              <a:t>,</a:t>
+            </a:r>
+          </a:p>
+          <a:p>
+            <a:pPr lvl="1"/>
+            <a:r>
+              <a:rPr lang="pl-PL" dirty="0" err="1"/>
+              <a:t>POH.OrderDateMonth</a:t>
+            </a:r>
+            <a:r>
+              <a:rPr lang="pl-PL" dirty="0"/>
+              <a:t>,</a:t>
+            </a:r>
+          </a:p>
+          <a:p>
+            <a:pPr lvl="1"/>
+            <a:r>
+              <a:rPr lang="en-US" dirty="0"/>
+              <a:t>SUM(CASE WHEN </a:t>
+            </a:r>
+            <a:r>
+              <a:rPr lang="en-US" dirty="0" err="1"/>
+              <a:t>POH.Status</a:t>
+            </a:r>
+            <a:r>
+              <a:rPr lang="en-US" dirty="0"/>
+              <a:t> IN (3,4) THEN 1 ELSE 0 END) AS '34',</a:t>
+            </a:r>
+          </a:p>
+          <a:p>
+            <a:pPr lvl="1"/>
+            <a:r>
+              <a:rPr lang="en-US" dirty="0"/>
+              <a:t>SUM(CASE WHEN </a:t>
+            </a:r>
+            <a:r>
+              <a:rPr lang="en-US" dirty="0" err="1"/>
+              <a:t>POH.Status</a:t>
+            </a:r>
+            <a:r>
+              <a:rPr lang="en-US" dirty="0"/>
+              <a:t> = 2 THEN 1 ELSE 0 END) AS '2',</a:t>
+            </a:r>
+          </a:p>
+          <a:p>
+            <a:pPr lvl="1"/>
+            <a:r>
+              <a:rPr lang="pl-PL" dirty="0"/>
+              <a:t>COUNT(*) AS C</a:t>
+            </a:r>
+          </a:p>
+          <a:p>
+            <a:r>
+              <a:rPr lang="pl-PL" dirty="0"/>
+              <a:t>FROM </a:t>
+            </a:r>
+          </a:p>
+          <a:p>
+            <a:pPr lvl="1"/>
+            <a:r>
+              <a:rPr lang="pl-PL" dirty="0"/>
+              <a:t>[AdventureWorks2016].[</a:t>
+            </a:r>
+            <a:r>
+              <a:rPr lang="pl-PL" dirty="0" err="1"/>
+              <a:t>Purchasing</a:t>
+            </a:r>
+            <a:r>
+              <a:rPr lang="pl-PL" dirty="0"/>
+              <a:t>].[</a:t>
+            </a:r>
+            <a:r>
+              <a:rPr lang="pl-PL" dirty="0" err="1"/>
+              <a:t>PurchaseOrderHeader</a:t>
+            </a:r>
+            <a:r>
+              <a:rPr lang="pl-PL" dirty="0"/>
+              <a:t>] POH</a:t>
+            </a:r>
+          </a:p>
+          <a:p>
+            <a:r>
+              <a:rPr lang="pl-PL" dirty="0"/>
+              <a:t>GROUP BY</a:t>
+            </a:r>
+          </a:p>
+          <a:p>
+            <a:pPr lvl="1"/>
+            <a:r>
+              <a:rPr lang="pl-PL" dirty="0" err="1"/>
+              <a:t>POH.OrderDateYear</a:t>
+            </a:r>
+            <a:r>
+              <a:rPr lang="pl-PL" dirty="0"/>
+              <a:t>,</a:t>
+            </a:r>
+          </a:p>
+          <a:p>
+            <a:pPr lvl="1"/>
+            <a:r>
+              <a:rPr lang="pl-PL" dirty="0" err="1"/>
+              <a:t>POH.OrderDateMonth</a:t>
+            </a:r>
+            <a:endParaRPr lang="pl-PL" dirty="0"/>
+          </a:p>
+          <a:p>
+            <a:r>
+              <a:rPr lang="pl-PL" dirty="0"/>
+              <a:t>ORDER BY</a:t>
+            </a:r>
+          </a:p>
+          <a:p>
+            <a:pPr lvl="1"/>
+            <a:r>
+              <a:rPr lang="pl-PL" dirty="0" err="1"/>
+              <a:t>POH.OrderDateYear</a:t>
+            </a:r>
+            <a:r>
+              <a:rPr lang="pl-PL" dirty="0"/>
+              <a:t>,</a:t>
+            </a:r>
+          </a:p>
+          <a:p>
+            <a:pPr lvl="1"/>
+            <a:r>
+              <a:rPr lang="pl-PL" dirty="0" err="1"/>
+              <a:t>POH.OrderDateMonth</a:t>
+            </a:r>
+            <a:endParaRPr lang="en-US" dirty="0"/>
+          </a:p>
+        </p:txBody>
+      </p:sp>
+    </p:spTree>
+    <p:extLst>
+      <p:ext uri="{BB962C8B-B14F-4D97-AF65-F5344CB8AC3E}">
+        <p14:creationId xmlns:p14="http://schemas.microsoft.com/office/powerpoint/2010/main" val="2408948952"/>
       </p:ext>
     </p:extLst>
   </p:cSld>
@@ -7893,6 +10586,1133 @@
     <p:extLst>
       <p:ext uri="{BB962C8B-B14F-4D97-AF65-F5344CB8AC3E}">
         <p14:creationId xmlns:p14="http://schemas.microsoft.com/office/powerpoint/2010/main" val="803553096"/>
+      </p:ext>
+    </p:extLst>
+  </p:cSld>
+  <p:clrMapOvr>
+    <a:masterClrMapping/>
+  </p:clrMapOvr>
+</p:sld>
+</file>
+
+<file path=ppt/slides/slide30.xml><?xml version="1.0" encoding="utf-8"?>
+<p:sld xmlns:a="http://schemas.openxmlformats.org/drawingml/2006/main" xmlns:r="http://schemas.openxmlformats.org/officeDocument/2006/relationships" xmlns:p="http://schemas.openxmlformats.org/presentationml/2006/main">
+  <p:cSld>
+    <p:spTree>
+      <p:nvGrpSpPr>
+        <p:cNvPr id="1" name=""/>
+        <p:cNvGrpSpPr/>
+        <p:nvPr/>
+      </p:nvGrpSpPr>
+      <p:grpSpPr>
+        <a:xfrm>
+          <a:off x="0" y="0"/>
+          <a:ext cx="0" cy="0"/>
+          <a:chOff x="0" y="0"/>
+          <a:chExt cx="0" cy="0"/>
+        </a:xfrm>
+      </p:grpSpPr>
+      <p:sp>
+        <p:nvSpPr>
+          <p:cNvPr id="2" name="Tytuł 1">
+            <a:extLst>
+              <a:ext uri="{FF2B5EF4-FFF2-40B4-BE49-F238E27FC236}">
+                <a16:creationId xmlns:a16="http://schemas.microsoft.com/office/drawing/2014/main" id="{FDC47801-9FB8-45CC-8FA2-483A0B5FA0D4}"/>
+              </a:ext>
+            </a:extLst>
+          </p:cNvPr>
+          <p:cNvSpPr>
+            <a:spLocks noGrp="1"/>
+          </p:cNvSpPr>
+          <p:nvPr>
+            <p:ph type="title"/>
+          </p:nvPr>
+        </p:nvSpPr>
+        <p:spPr>
+          <a:xfrm>
+            <a:off x="838200" y="365125"/>
+            <a:ext cx="10515600" cy="1081120"/>
+          </a:xfrm>
+        </p:spPr>
+        <p:txBody>
+          <a:bodyPr>
+            <a:normAutofit/>
+          </a:bodyPr>
+          <a:lstStyle/>
+          <a:p>
+            <a:r>
+              <a:rPr lang="pl-PL" dirty="0" err="1"/>
+              <a:t>ETLs</a:t>
+            </a:r>
+            <a:r>
+              <a:rPr lang="pl-PL" dirty="0"/>
+              <a:t> Utilities</a:t>
+            </a:r>
+            <a:br>
+              <a:rPr lang="pl-PL" dirty="0"/>
+            </a:br>
+            <a:r>
+              <a:rPr lang="pl-PL" sz="2800" dirty="0" err="1"/>
+              <a:t>Harder</a:t>
+            </a:r>
+            <a:r>
+              <a:rPr lang="pl-PL" sz="2800" dirty="0"/>
+              <a:t> problem</a:t>
+            </a:r>
+            <a:endParaRPr lang="en-US" dirty="0"/>
+          </a:p>
+        </p:txBody>
+      </p:sp>
+    </p:spTree>
+    <p:extLst>
+      <p:ext uri="{BB962C8B-B14F-4D97-AF65-F5344CB8AC3E}">
+        <p14:creationId xmlns:p14="http://schemas.microsoft.com/office/powerpoint/2010/main" val="214948525"/>
+      </p:ext>
+    </p:extLst>
+  </p:cSld>
+  <p:clrMapOvr>
+    <a:masterClrMapping/>
+  </p:clrMapOvr>
+</p:sld>
+</file>
+
+<file path=ppt/slides/slide31.xml><?xml version="1.0" encoding="utf-8"?>
+<p:sld xmlns:a="http://schemas.openxmlformats.org/drawingml/2006/main" xmlns:r="http://schemas.openxmlformats.org/officeDocument/2006/relationships" xmlns:p="http://schemas.openxmlformats.org/presentationml/2006/main">
+  <p:cSld>
+    <p:spTree>
+      <p:nvGrpSpPr>
+        <p:cNvPr id="1" name=""/>
+        <p:cNvGrpSpPr/>
+        <p:nvPr/>
+      </p:nvGrpSpPr>
+      <p:grpSpPr>
+        <a:xfrm>
+          <a:off x="0" y="0"/>
+          <a:ext cx="0" cy="0"/>
+          <a:chOff x="0" y="0"/>
+          <a:chExt cx="0" cy="0"/>
+        </a:xfrm>
+      </p:grpSpPr>
+      <p:sp>
+        <p:nvSpPr>
+          <p:cNvPr id="2" name="Tytuł 1">
+            <a:extLst>
+              <a:ext uri="{FF2B5EF4-FFF2-40B4-BE49-F238E27FC236}">
+                <a16:creationId xmlns:a16="http://schemas.microsoft.com/office/drawing/2014/main" id="{FDC47801-9FB8-45CC-8FA2-483A0B5FA0D4}"/>
+              </a:ext>
+            </a:extLst>
+          </p:cNvPr>
+          <p:cNvSpPr>
+            <a:spLocks noGrp="1"/>
+          </p:cNvSpPr>
+          <p:nvPr>
+            <p:ph type="title"/>
+          </p:nvPr>
+        </p:nvSpPr>
+        <p:spPr>
+          <a:xfrm>
+            <a:off x="838200" y="365125"/>
+            <a:ext cx="10515600" cy="1081120"/>
+          </a:xfrm>
+        </p:spPr>
+        <p:txBody>
+          <a:bodyPr>
+            <a:normAutofit/>
+          </a:bodyPr>
+          <a:lstStyle/>
+          <a:p>
+            <a:r>
+              <a:rPr lang="pl-PL" dirty="0" err="1"/>
+              <a:t>ETLs</a:t>
+            </a:r>
+            <a:r>
+              <a:rPr lang="pl-PL" dirty="0"/>
+              <a:t> Utilities</a:t>
+            </a:r>
+            <a:br>
+              <a:rPr lang="pl-PL" dirty="0"/>
+            </a:br>
+            <a:r>
+              <a:rPr lang="pl-PL" sz="2800" dirty="0" err="1"/>
+              <a:t>Delete</a:t>
+            </a:r>
+            <a:r>
+              <a:rPr lang="pl-PL" sz="2800" dirty="0"/>
+              <a:t> </a:t>
+            </a:r>
+            <a:r>
+              <a:rPr lang="pl-PL" sz="2800" dirty="0" err="1"/>
+              <a:t>replicants</a:t>
+            </a:r>
+            <a:endParaRPr lang="en-US" dirty="0"/>
+          </a:p>
+        </p:txBody>
+      </p:sp>
+      <p:sp>
+        <p:nvSpPr>
+          <p:cNvPr id="3" name="Prostokąt 2">
+            <a:extLst>
+              <a:ext uri="{FF2B5EF4-FFF2-40B4-BE49-F238E27FC236}">
+                <a16:creationId xmlns:a16="http://schemas.microsoft.com/office/drawing/2014/main" id="{1C969D11-0D56-4566-AD76-D7721AC913EC}"/>
+              </a:ext>
+            </a:extLst>
+          </p:cNvPr>
+          <p:cNvSpPr/>
+          <p:nvPr/>
+        </p:nvSpPr>
+        <p:spPr>
+          <a:xfrm>
+            <a:off x="1174811" y="1932113"/>
+            <a:ext cx="9185430" cy="3970318"/>
+          </a:xfrm>
+          <a:prstGeom prst="rect">
+            <a:avLst/>
+          </a:prstGeom>
+        </p:spPr>
+        <p:txBody>
+          <a:bodyPr wrap="square">
+            <a:spAutoFit/>
+          </a:bodyPr>
+          <a:lstStyle/>
+          <a:p>
+            <a:r>
+              <a:rPr lang="pl-PL" dirty="0">
+                <a:solidFill>
+                  <a:srgbClr val="0000FF"/>
+                </a:solidFill>
+                <a:highlight>
+                  <a:srgbClr val="FFFFFF"/>
+                </a:highlight>
+                <a:latin typeface="Consolas" panose="020B0609020204030204" pitchFamily="49" charset="0"/>
+              </a:rPr>
+              <a:t>CREATE</a:t>
+            </a:r>
+            <a:r>
+              <a:rPr lang="pl-PL" dirty="0">
+                <a:solidFill>
+                  <a:srgbClr val="000000"/>
+                </a:solidFill>
+                <a:highlight>
+                  <a:srgbClr val="FFFFFF"/>
+                </a:highlight>
+                <a:latin typeface="Consolas" panose="020B0609020204030204" pitchFamily="49" charset="0"/>
+              </a:rPr>
+              <a:t> </a:t>
+            </a:r>
+            <a:r>
+              <a:rPr lang="pl-PL" dirty="0">
+                <a:solidFill>
+                  <a:srgbClr val="0000FF"/>
+                </a:solidFill>
+                <a:highlight>
+                  <a:srgbClr val="FFFFFF"/>
+                </a:highlight>
+                <a:latin typeface="Consolas" panose="020B0609020204030204" pitchFamily="49" charset="0"/>
+              </a:rPr>
+              <a:t>TABLE</a:t>
+            </a:r>
+            <a:r>
+              <a:rPr lang="pl-PL" dirty="0">
+                <a:solidFill>
+                  <a:srgbClr val="000000"/>
+                </a:solidFill>
+                <a:highlight>
+                  <a:srgbClr val="FFFFFF"/>
+                </a:highlight>
+                <a:latin typeface="Consolas" panose="020B0609020204030204" pitchFamily="49" charset="0"/>
+              </a:rPr>
+              <a:t> XXXX</a:t>
+            </a:r>
+            <a:r>
+              <a:rPr lang="pl-PL" dirty="0">
+                <a:solidFill>
+                  <a:srgbClr val="808080"/>
+                </a:solidFill>
+                <a:highlight>
+                  <a:srgbClr val="FFFFFF"/>
+                </a:highlight>
+                <a:latin typeface="Consolas" panose="020B0609020204030204" pitchFamily="49" charset="0"/>
+              </a:rPr>
+              <a:t>(</a:t>
+            </a:r>
+            <a:endParaRPr lang="pl-PL" dirty="0">
+              <a:solidFill>
+                <a:srgbClr val="000000"/>
+              </a:solidFill>
+              <a:highlight>
+                <a:srgbClr val="FFFFFF"/>
+              </a:highlight>
+              <a:latin typeface="Consolas" panose="020B0609020204030204" pitchFamily="49" charset="0"/>
+            </a:endParaRPr>
+          </a:p>
+          <a:p>
+            <a:pPr lvl="1"/>
+            <a:r>
+              <a:rPr lang="pl-PL" dirty="0">
+                <a:solidFill>
+                  <a:srgbClr val="000000"/>
+                </a:solidFill>
+                <a:highlight>
+                  <a:srgbClr val="FFFFFF"/>
+                </a:highlight>
+                <a:latin typeface="Consolas" panose="020B0609020204030204" pitchFamily="49" charset="0"/>
+              </a:rPr>
+              <a:t>Id </a:t>
+            </a:r>
+            <a:r>
+              <a:rPr lang="pl-PL" dirty="0">
+                <a:solidFill>
+                  <a:srgbClr val="0000FF"/>
+                </a:solidFill>
+                <a:highlight>
+                  <a:srgbClr val="FFFFFF"/>
+                </a:highlight>
+                <a:latin typeface="Consolas" panose="020B0609020204030204" pitchFamily="49" charset="0"/>
+              </a:rPr>
+              <a:t>INT</a:t>
+            </a:r>
+            <a:r>
+              <a:rPr lang="pl-PL" dirty="0">
+                <a:solidFill>
+                  <a:srgbClr val="000000"/>
+                </a:solidFill>
+                <a:highlight>
+                  <a:srgbClr val="FFFFFF"/>
+                </a:highlight>
+                <a:latin typeface="Consolas" panose="020B0609020204030204" pitchFamily="49" charset="0"/>
+              </a:rPr>
+              <a:t> </a:t>
+            </a:r>
+            <a:r>
+              <a:rPr lang="pl-PL" dirty="0">
+                <a:solidFill>
+                  <a:srgbClr val="0000FF"/>
+                </a:solidFill>
+                <a:highlight>
+                  <a:srgbClr val="FFFFFF"/>
+                </a:highlight>
+                <a:latin typeface="Consolas" panose="020B0609020204030204" pitchFamily="49" charset="0"/>
+              </a:rPr>
+              <a:t>IDENTITY</a:t>
+            </a:r>
+            <a:r>
+              <a:rPr lang="pl-PL" dirty="0">
+                <a:solidFill>
+                  <a:srgbClr val="808080"/>
+                </a:solidFill>
+                <a:highlight>
+                  <a:srgbClr val="FFFFFF"/>
+                </a:highlight>
+                <a:latin typeface="Consolas" panose="020B0609020204030204" pitchFamily="49" charset="0"/>
+              </a:rPr>
+              <a:t>,</a:t>
+            </a:r>
+            <a:endParaRPr lang="pl-PL" dirty="0">
+              <a:solidFill>
+                <a:srgbClr val="000000"/>
+              </a:solidFill>
+              <a:highlight>
+                <a:srgbClr val="FFFFFF"/>
+              </a:highlight>
+              <a:latin typeface="Consolas" panose="020B0609020204030204" pitchFamily="49" charset="0"/>
+            </a:endParaRPr>
+          </a:p>
+          <a:p>
+            <a:pPr lvl="1"/>
+            <a:r>
+              <a:rPr lang="pl-PL" dirty="0" err="1">
+                <a:solidFill>
+                  <a:srgbClr val="0000FF"/>
+                </a:solidFill>
+                <a:highlight>
+                  <a:srgbClr val="FFFFFF"/>
+                </a:highlight>
+                <a:latin typeface="Consolas" panose="020B0609020204030204" pitchFamily="49" charset="0"/>
+              </a:rPr>
+              <a:t>Name</a:t>
+            </a:r>
+            <a:r>
+              <a:rPr lang="pl-PL" dirty="0">
+                <a:solidFill>
+                  <a:srgbClr val="000000"/>
+                </a:solidFill>
+                <a:highlight>
+                  <a:srgbClr val="FFFFFF"/>
+                </a:highlight>
+                <a:latin typeface="Consolas" panose="020B0609020204030204" pitchFamily="49" charset="0"/>
+              </a:rPr>
+              <a:t> </a:t>
+            </a:r>
+            <a:r>
+              <a:rPr lang="pl-PL" dirty="0">
+                <a:solidFill>
+                  <a:srgbClr val="0000FF"/>
+                </a:solidFill>
+                <a:highlight>
+                  <a:srgbClr val="FFFFFF"/>
+                </a:highlight>
+                <a:latin typeface="Consolas" panose="020B0609020204030204" pitchFamily="49" charset="0"/>
+              </a:rPr>
+              <a:t>VARCHAR</a:t>
+            </a:r>
+            <a:r>
+              <a:rPr lang="pl-PL" dirty="0">
+                <a:solidFill>
+                  <a:srgbClr val="808080"/>
+                </a:solidFill>
+                <a:highlight>
+                  <a:srgbClr val="FFFFFF"/>
+                </a:highlight>
+                <a:latin typeface="Consolas" panose="020B0609020204030204" pitchFamily="49" charset="0"/>
+              </a:rPr>
+              <a:t>(</a:t>
+            </a:r>
+            <a:r>
+              <a:rPr lang="pl-PL" dirty="0">
+                <a:solidFill>
+                  <a:srgbClr val="000000"/>
+                </a:solidFill>
+                <a:highlight>
+                  <a:srgbClr val="FFFFFF"/>
+                </a:highlight>
+                <a:latin typeface="Consolas" panose="020B0609020204030204" pitchFamily="49" charset="0"/>
+              </a:rPr>
+              <a:t>10</a:t>
+            </a:r>
+            <a:r>
+              <a:rPr lang="pl-PL" dirty="0">
+                <a:solidFill>
+                  <a:srgbClr val="808080"/>
+                </a:solidFill>
+                <a:highlight>
+                  <a:srgbClr val="FFFFFF"/>
+                </a:highlight>
+                <a:latin typeface="Consolas" panose="020B0609020204030204" pitchFamily="49" charset="0"/>
+              </a:rPr>
+              <a:t>)</a:t>
+            </a:r>
+            <a:endParaRPr lang="pl-PL" dirty="0">
+              <a:solidFill>
+                <a:srgbClr val="000000"/>
+              </a:solidFill>
+              <a:highlight>
+                <a:srgbClr val="FFFFFF"/>
+              </a:highlight>
+              <a:latin typeface="Consolas" panose="020B0609020204030204" pitchFamily="49" charset="0"/>
+            </a:endParaRPr>
+          </a:p>
+          <a:p>
+            <a:r>
+              <a:rPr lang="pl-PL" dirty="0">
+                <a:solidFill>
+                  <a:srgbClr val="808080"/>
+                </a:solidFill>
+                <a:highlight>
+                  <a:srgbClr val="FFFFFF"/>
+                </a:highlight>
+                <a:latin typeface="Consolas" panose="020B0609020204030204" pitchFamily="49" charset="0"/>
+              </a:rPr>
+              <a:t>)</a:t>
+            </a:r>
+            <a:endParaRPr lang="pl-PL" dirty="0">
+              <a:solidFill>
+                <a:srgbClr val="000000"/>
+              </a:solidFill>
+              <a:highlight>
+                <a:srgbClr val="FFFFFF"/>
+              </a:highlight>
+              <a:latin typeface="Consolas" panose="020B0609020204030204" pitchFamily="49" charset="0"/>
+            </a:endParaRPr>
+          </a:p>
+          <a:p>
+            <a:endParaRPr lang="pl-PL" dirty="0">
+              <a:solidFill>
+                <a:srgbClr val="000000"/>
+              </a:solidFill>
+              <a:highlight>
+                <a:srgbClr val="FFFFFF"/>
+              </a:highlight>
+              <a:latin typeface="Consolas" panose="020B0609020204030204" pitchFamily="49" charset="0"/>
+            </a:endParaRPr>
+          </a:p>
+          <a:p>
+            <a:r>
+              <a:rPr lang="en-US" dirty="0">
+                <a:solidFill>
+                  <a:srgbClr val="0000FF"/>
+                </a:solidFill>
+                <a:highlight>
+                  <a:srgbClr val="FFFFFF"/>
+                </a:highlight>
+                <a:latin typeface="Consolas" panose="020B0609020204030204" pitchFamily="49" charset="0"/>
+              </a:rPr>
+              <a:t>WITH</a:t>
+            </a:r>
+            <a:r>
+              <a:rPr lang="en-US" dirty="0">
+                <a:solidFill>
+                  <a:srgbClr val="000000"/>
+                </a:solidFill>
+                <a:highlight>
+                  <a:srgbClr val="FFFFFF"/>
+                </a:highlight>
+                <a:latin typeface="Consolas" panose="020B0609020204030204" pitchFamily="49" charset="0"/>
+              </a:rPr>
+              <a:t> R</a:t>
+            </a:r>
+            <a:r>
+              <a:rPr lang="en-US" dirty="0">
+                <a:solidFill>
+                  <a:srgbClr val="808080"/>
+                </a:solidFill>
+                <a:highlight>
+                  <a:srgbClr val="FFFFFF"/>
+                </a:highlight>
+                <a:latin typeface="Consolas" panose="020B0609020204030204" pitchFamily="49" charset="0"/>
+              </a:rPr>
+              <a:t>(</a:t>
+            </a:r>
+            <a:r>
+              <a:rPr lang="en-US" dirty="0">
+                <a:solidFill>
+                  <a:srgbClr val="000000"/>
+                </a:solidFill>
+                <a:highlight>
+                  <a:srgbClr val="FFFFFF"/>
+                </a:highlight>
+                <a:latin typeface="Consolas" panose="020B0609020204030204" pitchFamily="49" charset="0"/>
+              </a:rPr>
+              <a:t>Id</a:t>
+            </a:r>
+            <a:r>
+              <a:rPr lang="en-US" dirty="0">
+                <a:solidFill>
+                  <a:srgbClr val="808080"/>
+                </a:solidFill>
+                <a:highlight>
+                  <a:srgbClr val="FFFFFF"/>
+                </a:highlight>
+                <a:latin typeface="Consolas" panose="020B0609020204030204" pitchFamily="49" charset="0"/>
+              </a:rPr>
+              <a:t>,</a:t>
+            </a:r>
+            <a:r>
+              <a:rPr lang="en-US" dirty="0">
+                <a:solidFill>
+                  <a:srgbClr val="000000"/>
+                </a:solidFill>
+                <a:highlight>
+                  <a:srgbClr val="FFFFFF"/>
+                </a:highlight>
+                <a:latin typeface="Consolas" panose="020B0609020204030204" pitchFamily="49" charset="0"/>
+              </a:rPr>
+              <a:t> </a:t>
+            </a:r>
+            <a:r>
+              <a:rPr lang="en-US" dirty="0">
+                <a:solidFill>
+                  <a:srgbClr val="0000FF"/>
+                </a:solidFill>
+                <a:highlight>
+                  <a:srgbClr val="FFFFFF"/>
+                </a:highlight>
+                <a:latin typeface="Consolas" panose="020B0609020204030204" pitchFamily="49" charset="0"/>
+              </a:rPr>
+              <a:t>Name</a:t>
+            </a:r>
+            <a:r>
+              <a:rPr lang="en-US" dirty="0">
+                <a:solidFill>
+                  <a:srgbClr val="808080"/>
+                </a:solidFill>
+                <a:highlight>
+                  <a:srgbClr val="FFFFFF"/>
+                </a:highlight>
+                <a:latin typeface="Consolas" panose="020B0609020204030204" pitchFamily="49" charset="0"/>
+              </a:rPr>
+              <a:t>,</a:t>
+            </a:r>
+            <a:r>
+              <a:rPr lang="en-US" dirty="0">
+                <a:solidFill>
+                  <a:srgbClr val="000000"/>
+                </a:solidFill>
+                <a:highlight>
+                  <a:srgbClr val="FFFFFF"/>
+                </a:highlight>
+                <a:latin typeface="Consolas" panose="020B0609020204030204" pitchFamily="49" charset="0"/>
+              </a:rPr>
+              <a:t> RN</a:t>
+            </a:r>
+            <a:r>
+              <a:rPr lang="en-US" dirty="0">
+                <a:solidFill>
+                  <a:srgbClr val="808080"/>
+                </a:solidFill>
+                <a:highlight>
+                  <a:srgbClr val="FFFFFF"/>
+                </a:highlight>
+                <a:latin typeface="Consolas" panose="020B0609020204030204" pitchFamily="49" charset="0"/>
+              </a:rPr>
+              <a:t>)</a:t>
+            </a:r>
+            <a:r>
+              <a:rPr lang="en-US" dirty="0">
+                <a:solidFill>
+                  <a:srgbClr val="000000"/>
+                </a:solidFill>
+                <a:highlight>
+                  <a:srgbClr val="FFFFFF"/>
+                </a:highlight>
+                <a:latin typeface="Consolas" panose="020B0609020204030204" pitchFamily="49" charset="0"/>
+              </a:rPr>
+              <a:t> </a:t>
+            </a:r>
+            <a:r>
+              <a:rPr lang="en-US" dirty="0">
+                <a:solidFill>
+                  <a:srgbClr val="0000FF"/>
+                </a:solidFill>
+                <a:highlight>
+                  <a:srgbClr val="FFFFFF"/>
+                </a:highlight>
+                <a:latin typeface="Consolas" panose="020B0609020204030204" pitchFamily="49" charset="0"/>
+              </a:rPr>
+              <a:t>AS</a:t>
+            </a:r>
+            <a:r>
+              <a:rPr lang="en-US" dirty="0">
+                <a:solidFill>
+                  <a:srgbClr val="808080"/>
+                </a:solidFill>
+                <a:highlight>
+                  <a:srgbClr val="FFFFFF"/>
+                </a:highlight>
+                <a:latin typeface="Consolas" panose="020B0609020204030204" pitchFamily="49" charset="0"/>
+              </a:rPr>
+              <a:t>(</a:t>
+            </a:r>
+            <a:endParaRPr lang="en-US" dirty="0">
+              <a:solidFill>
+                <a:srgbClr val="000000"/>
+              </a:solidFill>
+              <a:highlight>
+                <a:srgbClr val="FFFFFF"/>
+              </a:highlight>
+              <a:latin typeface="Consolas" panose="020B0609020204030204" pitchFamily="49" charset="0"/>
+            </a:endParaRPr>
+          </a:p>
+          <a:p>
+            <a:pPr lvl="1"/>
+            <a:r>
+              <a:rPr lang="pl-PL" dirty="0">
+                <a:solidFill>
+                  <a:srgbClr val="0000FF"/>
+                </a:solidFill>
+                <a:highlight>
+                  <a:srgbClr val="FFFFFF"/>
+                </a:highlight>
+                <a:latin typeface="Consolas" panose="020B0609020204030204" pitchFamily="49" charset="0"/>
+              </a:rPr>
+              <a:t>SELECT</a:t>
+            </a:r>
+            <a:r>
+              <a:rPr lang="pl-PL" dirty="0">
+                <a:solidFill>
+                  <a:srgbClr val="000000"/>
+                </a:solidFill>
+                <a:highlight>
+                  <a:srgbClr val="FFFFFF"/>
+                </a:highlight>
+                <a:latin typeface="Consolas" panose="020B0609020204030204" pitchFamily="49" charset="0"/>
+              </a:rPr>
+              <a:t> </a:t>
+            </a:r>
+          </a:p>
+          <a:p>
+            <a:pPr lvl="1"/>
+            <a:r>
+              <a:rPr lang="pl-PL" dirty="0">
+                <a:solidFill>
+                  <a:srgbClr val="000000"/>
+                </a:solidFill>
+                <a:highlight>
+                  <a:srgbClr val="FFFFFF"/>
+                </a:highlight>
+                <a:latin typeface="Consolas" panose="020B0609020204030204" pitchFamily="49" charset="0"/>
+              </a:rPr>
+              <a:t>Id</a:t>
+            </a:r>
+            <a:r>
+              <a:rPr lang="pl-PL" dirty="0">
+                <a:solidFill>
+                  <a:srgbClr val="808080"/>
+                </a:solidFill>
+                <a:highlight>
+                  <a:srgbClr val="FFFFFF"/>
+                </a:highlight>
+                <a:latin typeface="Consolas" panose="020B0609020204030204" pitchFamily="49" charset="0"/>
+              </a:rPr>
+              <a:t>,</a:t>
+            </a:r>
+            <a:endParaRPr lang="pl-PL" dirty="0">
+              <a:solidFill>
+                <a:srgbClr val="000000"/>
+              </a:solidFill>
+              <a:highlight>
+                <a:srgbClr val="FFFFFF"/>
+              </a:highlight>
+              <a:latin typeface="Consolas" panose="020B0609020204030204" pitchFamily="49" charset="0"/>
+            </a:endParaRPr>
+          </a:p>
+          <a:p>
+            <a:pPr lvl="1"/>
+            <a:r>
+              <a:rPr lang="pl-PL" dirty="0" err="1">
+                <a:solidFill>
+                  <a:srgbClr val="0000FF"/>
+                </a:solidFill>
+                <a:highlight>
+                  <a:srgbClr val="FFFFFF"/>
+                </a:highlight>
+                <a:latin typeface="Consolas" panose="020B0609020204030204" pitchFamily="49" charset="0"/>
+              </a:rPr>
+              <a:t>Name</a:t>
+            </a:r>
+            <a:r>
+              <a:rPr lang="pl-PL" dirty="0">
+                <a:solidFill>
+                  <a:srgbClr val="808080"/>
+                </a:solidFill>
+                <a:highlight>
+                  <a:srgbClr val="FFFFFF"/>
+                </a:highlight>
+                <a:latin typeface="Consolas" panose="020B0609020204030204" pitchFamily="49" charset="0"/>
+              </a:rPr>
+              <a:t>,</a:t>
+            </a:r>
+            <a:endParaRPr lang="pl-PL" dirty="0">
+              <a:solidFill>
+                <a:srgbClr val="000000"/>
+              </a:solidFill>
+              <a:highlight>
+                <a:srgbClr val="FFFFFF"/>
+              </a:highlight>
+              <a:latin typeface="Consolas" panose="020B0609020204030204" pitchFamily="49" charset="0"/>
+            </a:endParaRPr>
+          </a:p>
+          <a:p>
+            <a:pPr lvl="1"/>
+            <a:r>
+              <a:rPr lang="en-US" dirty="0">
+                <a:solidFill>
+                  <a:srgbClr val="FF00FF"/>
+                </a:solidFill>
+                <a:highlight>
+                  <a:srgbClr val="FFFFFF"/>
+                </a:highlight>
+                <a:latin typeface="Consolas" panose="020B0609020204030204" pitchFamily="49" charset="0"/>
+              </a:rPr>
+              <a:t>ROW_NUMBER</a:t>
+            </a:r>
+            <a:r>
+              <a:rPr lang="en-US" dirty="0">
+                <a:solidFill>
+                  <a:srgbClr val="808080"/>
+                </a:solidFill>
+                <a:highlight>
+                  <a:srgbClr val="FFFFFF"/>
+                </a:highlight>
+                <a:latin typeface="Consolas" panose="020B0609020204030204" pitchFamily="49" charset="0"/>
+              </a:rPr>
+              <a:t>()</a:t>
+            </a:r>
+            <a:r>
+              <a:rPr lang="en-US" dirty="0">
+                <a:solidFill>
+                  <a:srgbClr val="000000"/>
+                </a:solidFill>
+                <a:highlight>
+                  <a:srgbClr val="FFFFFF"/>
+                </a:highlight>
+                <a:latin typeface="Consolas" panose="020B0609020204030204" pitchFamily="49" charset="0"/>
+              </a:rPr>
+              <a:t> </a:t>
+            </a:r>
+            <a:r>
+              <a:rPr lang="en-US" dirty="0">
+                <a:solidFill>
+                  <a:srgbClr val="0000FF"/>
+                </a:solidFill>
+                <a:highlight>
+                  <a:srgbClr val="FFFFFF"/>
+                </a:highlight>
+                <a:latin typeface="Consolas" panose="020B0609020204030204" pitchFamily="49" charset="0"/>
+              </a:rPr>
+              <a:t>OVER</a:t>
+            </a:r>
+            <a:r>
+              <a:rPr lang="en-US" dirty="0">
+                <a:solidFill>
+                  <a:srgbClr val="808080"/>
+                </a:solidFill>
+                <a:highlight>
+                  <a:srgbClr val="FFFFFF"/>
+                </a:highlight>
+                <a:latin typeface="Consolas" panose="020B0609020204030204" pitchFamily="49" charset="0"/>
+              </a:rPr>
+              <a:t>(</a:t>
+            </a:r>
+            <a:r>
+              <a:rPr lang="en-US" dirty="0">
+                <a:solidFill>
+                  <a:srgbClr val="0000FF"/>
+                </a:solidFill>
+                <a:highlight>
+                  <a:srgbClr val="FFFFFF"/>
+                </a:highlight>
+                <a:latin typeface="Consolas" panose="020B0609020204030204" pitchFamily="49" charset="0"/>
+              </a:rPr>
+              <a:t>PARTITION</a:t>
+            </a:r>
+            <a:r>
+              <a:rPr lang="en-US" dirty="0">
+                <a:solidFill>
+                  <a:srgbClr val="000000"/>
+                </a:solidFill>
+                <a:highlight>
+                  <a:srgbClr val="FFFFFF"/>
+                </a:highlight>
+                <a:latin typeface="Consolas" panose="020B0609020204030204" pitchFamily="49" charset="0"/>
+              </a:rPr>
+              <a:t> </a:t>
+            </a:r>
+            <a:r>
+              <a:rPr lang="en-US" dirty="0">
+                <a:solidFill>
+                  <a:srgbClr val="0000FF"/>
+                </a:solidFill>
+                <a:highlight>
+                  <a:srgbClr val="FFFFFF"/>
+                </a:highlight>
+                <a:latin typeface="Consolas" panose="020B0609020204030204" pitchFamily="49" charset="0"/>
+              </a:rPr>
+              <a:t>BY</a:t>
+            </a:r>
+            <a:r>
+              <a:rPr lang="en-US" dirty="0">
+                <a:solidFill>
+                  <a:srgbClr val="000000"/>
+                </a:solidFill>
+                <a:highlight>
+                  <a:srgbClr val="FFFFFF"/>
+                </a:highlight>
+                <a:latin typeface="Consolas" panose="020B0609020204030204" pitchFamily="49" charset="0"/>
+              </a:rPr>
+              <a:t> Id </a:t>
+            </a:r>
+            <a:r>
+              <a:rPr lang="en-US" dirty="0">
+                <a:solidFill>
+                  <a:srgbClr val="0000FF"/>
+                </a:solidFill>
+                <a:highlight>
+                  <a:srgbClr val="FFFFFF"/>
+                </a:highlight>
+                <a:latin typeface="Consolas" panose="020B0609020204030204" pitchFamily="49" charset="0"/>
+              </a:rPr>
+              <a:t>ORDER</a:t>
+            </a:r>
+            <a:r>
+              <a:rPr lang="en-US" dirty="0">
+                <a:solidFill>
+                  <a:srgbClr val="000000"/>
+                </a:solidFill>
+                <a:highlight>
+                  <a:srgbClr val="FFFFFF"/>
+                </a:highlight>
+                <a:latin typeface="Consolas" panose="020B0609020204030204" pitchFamily="49" charset="0"/>
+              </a:rPr>
+              <a:t> </a:t>
+            </a:r>
+            <a:r>
+              <a:rPr lang="en-US" dirty="0">
+                <a:solidFill>
+                  <a:srgbClr val="0000FF"/>
+                </a:solidFill>
+                <a:highlight>
+                  <a:srgbClr val="FFFFFF"/>
+                </a:highlight>
+                <a:latin typeface="Consolas" panose="020B0609020204030204" pitchFamily="49" charset="0"/>
+              </a:rPr>
+              <a:t>BY</a:t>
+            </a:r>
+            <a:r>
+              <a:rPr lang="en-US" dirty="0">
+                <a:solidFill>
+                  <a:srgbClr val="000000"/>
+                </a:solidFill>
+                <a:highlight>
+                  <a:srgbClr val="FFFFFF"/>
+                </a:highlight>
+                <a:latin typeface="Consolas" panose="020B0609020204030204" pitchFamily="49" charset="0"/>
+              </a:rPr>
+              <a:t> Id</a:t>
+            </a:r>
+            <a:r>
+              <a:rPr lang="en-US" dirty="0">
+                <a:solidFill>
+                  <a:srgbClr val="808080"/>
+                </a:solidFill>
+                <a:highlight>
+                  <a:srgbClr val="FFFFFF"/>
+                </a:highlight>
+                <a:latin typeface="Consolas" panose="020B0609020204030204" pitchFamily="49" charset="0"/>
+              </a:rPr>
+              <a:t>)</a:t>
+            </a:r>
+            <a:endParaRPr lang="en-US" dirty="0">
+              <a:solidFill>
+                <a:srgbClr val="000000"/>
+              </a:solidFill>
+              <a:highlight>
+                <a:srgbClr val="FFFFFF"/>
+              </a:highlight>
+              <a:latin typeface="Consolas" panose="020B0609020204030204" pitchFamily="49" charset="0"/>
+            </a:endParaRPr>
+          </a:p>
+          <a:p>
+            <a:r>
+              <a:rPr lang="pl-PL" dirty="0">
+                <a:solidFill>
+                  <a:srgbClr val="0000FF"/>
+                </a:solidFill>
+                <a:highlight>
+                  <a:srgbClr val="FFFFFF"/>
+                </a:highlight>
+                <a:latin typeface="Consolas" panose="020B0609020204030204" pitchFamily="49" charset="0"/>
+              </a:rPr>
+              <a:t>FROM</a:t>
+            </a:r>
+            <a:r>
+              <a:rPr lang="pl-PL" dirty="0">
+                <a:solidFill>
+                  <a:srgbClr val="000000"/>
+                </a:solidFill>
+                <a:highlight>
+                  <a:srgbClr val="FFFFFF"/>
+                </a:highlight>
+                <a:latin typeface="Consolas" panose="020B0609020204030204" pitchFamily="49" charset="0"/>
+              </a:rPr>
+              <a:t> </a:t>
+            </a:r>
+          </a:p>
+          <a:p>
+            <a:pPr lvl="1"/>
+            <a:r>
+              <a:rPr lang="pl-PL" dirty="0">
+                <a:solidFill>
+                  <a:srgbClr val="000000"/>
+                </a:solidFill>
+                <a:highlight>
+                  <a:srgbClr val="FFFFFF"/>
+                </a:highlight>
+                <a:latin typeface="Consolas" panose="020B0609020204030204" pitchFamily="49" charset="0"/>
+              </a:rPr>
+              <a:t>XXXX</a:t>
+            </a:r>
+          </a:p>
+          <a:p>
+            <a:r>
+              <a:rPr lang="pl-PL" dirty="0">
+                <a:solidFill>
+                  <a:srgbClr val="808080"/>
+                </a:solidFill>
+                <a:highlight>
+                  <a:srgbClr val="FFFFFF"/>
+                </a:highlight>
+                <a:latin typeface="Consolas" panose="020B0609020204030204" pitchFamily="49" charset="0"/>
+              </a:rPr>
+              <a:t>)</a:t>
+            </a:r>
+            <a:endParaRPr lang="pl-PL" dirty="0">
+              <a:solidFill>
+                <a:srgbClr val="000000"/>
+              </a:solidFill>
+              <a:highlight>
+                <a:srgbClr val="FFFFFF"/>
+              </a:highlight>
+              <a:latin typeface="Consolas" panose="020B0609020204030204" pitchFamily="49" charset="0"/>
+            </a:endParaRPr>
+          </a:p>
+          <a:p>
+            <a:r>
+              <a:rPr lang="en-US" dirty="0">
+                <a:solidFill>
+                  <a:srgbClr val="0000FF"/>
+                </a:solidFill>
+                <a:highlight>
+                  <a:srgbClr val="FFFFFF"/>
+                </a:highlight>
+                <a:latin typeface="Consolas" panose="020B0609020204030204" pitchFamily="49" charset="0"/>
+              </a:rPr>
+              <a:t>DELETE</a:t>
+            </a:r>
+            <a:r>
+              <a:rPr lang="en-US" dirty="0">
+                <a:solidFill>
+                  <a:srgbClr val="000000"/>
+                </a:solidFill>
+                <a:highlight>
+                  <a:srgbClr val="FFFFFF"/>
+                </a:highlight>
+                <a:latin typeface="Consolas" panose="020B0609020204030204" pitchFamily="49" charset="0"/>
+              </a:rPr>
+              <a:t> </a:t>
+            </a:r>
+            <a:r>
+              <a:rPr lang="en-US" dirty="0">
+                <a:solidFill>
+                  <a:srgbClr val="0000FF"/>
+                </a:solidFill>
+                <a:highlight>
+                  <a:srgbClr val="FFFFFF"/>
+                </a:highlight>
+                <a:latin typeface="Consolas" panose="020B0609020204030204" pitchFamily="49" charset="0"/>
+              </a:rPr>
+              <a:t>FROM</a:t>
+            </a:r>
+            <a:r>
+              <a:rPr lang="en-US" dirty="0">
+                <a:solidFill>
+                  <a:srgbClr val="000000"/>
+                </a:solidFill>
+                <a:highlight>
+                  <a:srgbClr val="FFFFFF"/>
+                </a:highlight>
+                <a:latin typeface="Consolas" panose="020B0609020204030204" pitchFamily="49" charset="0"/>
+              </a:rPr>
+              <a:t> R </a:t>
+            </a:r>
+            <a:r>
+              <a:rPr lang="en-US" dirty="0">
+                <a:solidFill>
+                  <a:srgbClr val="0000FF"/>
+                </a:solidFill>
+                <a:highlight>
+                  <a:srgbClr val="FFFFFF"/>
+                </a:highlight>
+                <a:latin typeface="Consolas" panose="020B0609020204030204" pitchFamily="49" charset="0"/>
+              </a:rPr>
+              <a:t>WHERE</a:t>
+            </a:r>
+            <a:r>
+              <a:rPr lang="en-US" dirty="0">
+                <a:solidFill>
+                  <a:srgbClr val="000000"/>
+                </a:solidFill>
+                <a:highlight>
+                  <a:srgbClr val="FFFFFF"/>
+                </a:highlight>
+                <a:latin typeface="Consolas" panose="020B0609020204030204" pitchFamily="49" charset="0"/>
+              </a:rPr>
+              <a:t> RN </a:t>
+            </a:r>
+            <a:r>
+              <a:rPr lang="en-US" dirty="0">
+                <a:solidFill>
+                  <a:srgbClr val="808080"/>
+                </a:solidFill>
+                <a:highlight>
+                  <a:srgbClr val="FFFFFF"/>
+                </a:highlight>
+                <a:latin typeface="Consolas" panose="020B0609020204030204" pitchFamily="49" charset="0"/>
+              </a:rPr>
+              <a:t>&gt;</a:t>
+            </a:r>
+            <a:r>
+              <a:rPr lang="en-US" dirty="0">
+                <a:solidFill>
+                  <a:srgbClr val="000000"/>
+                </a:solidFill>
+                <a:highlight>
+                  <a:srgbClr val="FFFFFF"/>
+                </a:highlight>
+                <a:latin typeface="Consolas" panose="020B0609020204030204" pitchFamily="49" charset="0"/>
+              </a:rPr>
+              <a:t> 1</a:t>
+            </a:r>
+            <a:endParaRPr lang="pl-PL" dirty="0"/>
+          </a:p>
+        </p:txBody>
+      </p:sp>
+    </p:spTree>
+    <p:extLst>
+      <p:ext uri="{BB962C8B-B14F-4D97-AF65-F5344CB8AC3E}">
+        <p14:creationId xmlns:p14="http://schemas.microsoft.com/office/powerpoint/2010/main" val="3572057043"/>
+      </p:ext>
+    </p:extLst>
+  </p:cSld>
+  <p:clrMapOvr>
+    <a:masterClrMapping/>
+  </p:clrMapOvr>
+</p:sld>
+</file>
+
+<file path=ppt/slides/slide32.xml><?xml version="1.0" encoding="utf-8"?>
+<p:sld xmlns:a="http://schemas.openxmlformats.org/drawingml/2006/main" xmlns:r="http://schemas.openxmlformats.org/officeDocument/2006/relationships" xmlns:p="http://schemas.openxmlformats.org/presentationml/2006/main">
+  <p:cSld>
+    <p:spTree>
+      <p:nvGrpSpPr>
+        <p:cNvPr id="1" name=""/>
+        <p:cNvGrpSpPr/>
+        <p:nvPr/>
+      </p:nvGrpSpPr>
+      <p:grpSpPr>
+        <a:xfrm>
+          <a:off x="0" y="0"/>
+          <a:ext cx="0" cy="0"/>
+          <a:chOff x="0" y="0"/>
+          <a:chExt cx="0" cy="0"/>
+        </a:xfrm>
+      </p:grpSpPr>
+      <p:sp>
+        <p:nvSpPr>
+          <p:cNvPr id="2" name="Tytuł 1">
+            <a:extLst>
+              <a:ext uri="{FF2B5EF4-FFF2-40B4-BE49-F238E27FC236}">
+                <a16:creationId xmlns:a16="http://schemas.microsoft.com/office/drawing/2014/main" id="{FDC47801-9FB8-45CC-8FA2-483A0B5FA0D4}"/>
+              </a:ext>
+            </a:extLst>
+          </p:cNvPr>
+          <p:cNvSpPr>
+            <a:spLocks noGrp="1"/>
+          </p:cNvSpPr>
+          <p:nvPr>
+            <p:ph type="title"/>
+          </p:nvPr>
+        </p:nvSpPr>
+        <p:spPr>
+          <a:xfrm>
+            <a:off x="838200" y="2766218"/>
+            <a:ext cx="10515600" cy="1325563"/>
+          </a:xfrm>
+        </p:spPr>
+        <p:txBody>
+          <a:bodyPr/>
+          <a:lstStyle/>
+          <a:p>
+            <a:r>
+              <a:rPr lang="en-US" dirty="0"/>
+              <a:t>That’s all for now</a:t>
+            </a:r>
+          </a:p>
+        </p:txBody>
+      </p:sp>
+    </p:spTree>
+    <p:extLst>
+      <p:ext uri="{BB962C8B-B14F-4D97-AF65-F5344CB8AC3E}">
+        <p14:creationId xmlns:p14="http://schemas.microsoft.com/office/powerpoint/2010/main" val="626047446"/>
       </p:ext>
     </p:extLst>
   </p:cSld>
